--- a/Paper/IE/figures/exp_setup.pptx
+++ b/Paper/IE/figures/exp_setup.pptx
@@ -5,13 +5,14 @@
     <p:sldMasterId id="2147483744" r:id="rId1"/>
   </p:sldMasterIdLst>
   <p:notesMasterIdLst>
-    <p:notesMasterId r:id="rId6"/>
+    <p:notesMasterId r:id="rId7"/>
   </p:notesMasterIdLst>
   <p:sldIdLst>
     <p:sldId id="256" r:id="rId2"/>
     <p:sldId id="257" r:id="rId3"/>
     <p:sldId id="258" r:id="rId4"/>
     <p:sldId id="259" r:id="rId5"/>
+    <p:sldId id="260" r:id="rId6"/>
   </p:sldIdLst>
   <p:sldSz cx="9144000" cy="6218238"/>
   <p:notesSz cx="6858000" cy="9144000"/>
@@ -113,7 +114,7 @@
   <p:extLst>
     <p:ext uri="{EFAFB233-063F-42B5-8137-9DF3F51BA10A}">
       <p15:sldGuideLst xmlns:p15="http://schemas.microsoft.com/office/powerpoint/2012/main">
-        <p15:guide id="1" orient="horz" pos="1959" userDrawn="1">
+        <p15:guide id="1" orient="horz" pos="1983" userDrawn="1">
           <p15:clr>
             <a:srgbClr val="A4A3A4"/>
           </p15:clr>
@@ -211,7 +212,7 @@
           <a:p>
             <a:fld id="{2770C7C7-DA4F-D540-B3EA-EE0079D6BB49}" type="datetimeFigureOut">
               <a:rPr lang="en-US" smtClean="0"/>
-              <a:t>10/31/16</a:t>
+              <a:t>11/8/16</a:t>
             </a:fld>
             <a:endParaRPr lang="en-US"/>
           </a:p>
@@ -508,8 +509,8 @@
         </p:nvSpPr>
         <p:spPr>
           <a:xfrm>
-            <a:off x="1160463" y="1143000"/>
-            <a:ext cx="4537075" cy="3086100"/>
+            <a:off x="1387475" y="1143000"/>
+            <a:ext cx="4083050" cy="3086100"/>
           </a:xfrm>
         </p:spPr>
       </p:sp>
@@ -569,6 +570,184 @@
 </file>
 
 <file path=ppt/notesSlides/notesSlide2.xml><?xml version="1.0" encoding="utf-8"?>
+<p:notes xmlns:a="http://schemas.openxmlformats.org/drawingml/2006/main" xmlns:r="http://schemas.openxmlformats.org/officeDocument/2006/relationships" xmlns:p="http://schemas.openxmlformats.org/presentationml/2006/main">
+  <p:cSld>
+    <p:spTree>
+      <p:nvGrpSpPr>
+        <p:cNvPr id="1" name=""/>
+        <p:cNvGrpSpPr/>
+        <p:nvPr/>
+      </p:nvGrpSpPr>
+      <p:grpSpPr>
+        <a:xfrm>
+          <a:off x="0" y="0"/>
+          <a:ext cx="0" cy="0"/>
+          <a:chOff x="0" y="0"/>
+          <a:chExt cx="0" cy="0"/>
+        </a:xfrm>
+      </p:grpSpPr>
+      <p:sp>
+        <p:nvSpPr>
+          <p:cNvPr id="2" name="Slide Image Placeholder 1"/>
+          <p:cNvSpPr>
+            <a:spLocks noGrp="1" noRot="1" noChangeAspect="1"/>
+          </p:cNvSpPr>
+          <p:nvPr>
+            <p:ph type="sldImg"/>
+          </p:nvPr>
+        </p:nvSpPr>
+        <p:spPr>
+          <a:xfrm>
+            <a:off x="1387475" y="1143000"/>
+            <a:ext cx="4083050" cy="3086100"/>
+          </a:xfrm>
+        </p:spPr>
+      </p:sp>
+      <p:sp>
+        <p:nvSpPr>
+          <p:cNvPr id="3" name="Notes Placeholder 2"/>
+          <p:cNvSpPr>
+            <a:spLocks noGrp="1"/>
+          </p:cNvSpPr>
+          <p:nvPr>
+            <p:ph type="body" idx="1"/>
+          </p:nvPr>
+        </p:nvSpPr>
+        <p:spPr/>
+        <p:txBody>
+          <a:bodyPr/>
+          <a:lstStyle/>
+          <a:p>
+            <a:endParaRPr lang="en-US" dirty="0"/>
+          </a:p>
+        </p:txBody>
+      </p:sp>
+      <p:sp>
+        <p:nvSpPr>
+          <p:cNvPr id="4" name="Slide Number Placeholder 3"/>
+          <p:cNvSpPr>
+            <a:spLocks noGrp="1"/>
+          </p:cNvSpPr>
+          <p:nvPr>
+            <p:ph type="sldNum" sz="quarter" idx="10"/>
+          </p:nvPr>
+        </p:nvSpPr>
+        <p:spPr/>
+        <p:txBody>
+          <a:bodyPr/>
+          <a:lstStyle/>
+          <a:p>
+            <a:fld id="{13482F21-3E75-944F-B9DD-587CCCD048A4}" type="slidenum">
+              <a:rPr lang="en-US" smtClean="0"/>
+              <a:t>2</a:t>
+            </a:fld>
+            <a:endParaRPr lang="en-US"/>
+          </a:p>
+        </p:txBody>
+      </p:sp>
+    </p:spTree>
+    <p:extLst>
+      <p:ext uri="{BB962C8B-B14F-4D97-AF65-F5344CB8AC3E}">
+        <p14:creationId xmlns:p14="http://schemas.microsoft.com/office/powerpoint/2010/main" val="1688773830"/>
+      </p:ext>
+    </p:extLst>
+  </p:cSld>
+  <p:clrMapOvr>
+    <a:masterClrMapping/>
+  </p:clrMapOvr>
+</p:notes>
+</file>
+
+<file path=ppt/notesSlides/notesSlide3.xml><?xml version="1.0" encoding="utf-8"?>
+<p:notes xmlns:a="http://schemas.openxmlformats.org/drawingml/2006/main" xmlns:r="http://schemas.openxmlformats.org/officeDocument/2006/relationships" xmlns:p="http://schemas.openxmlformats.org/presentationml/2006/main">
+  <p:cSld>
+    <p:spTree>
+      <p:nvGrpSpPr>
+        <p:cNvPr id="1" name=""/>
+        <p:cNvGrpSpPr/>
+        <p:nvPr/>
+      </p:nvGrpSpPr>
+      <p:grpSpPr>
+        <a:xfrm>
+          <a:off x="0" y="0"/>
+          <a:ext cx="0" cy="0"/>
+          <a:chOff x="0" y="0"/>
+          <a:chExt cx="0" cy="0"/>
+        </a:xfrm>
+      </p:grpSpPr>
+      <p:sp>
+        <p:nvSpPr>
+          <p:cNvPr id="2" name="Slide Image Placeholder 1"/>
+          <p:cNvSpPr>
+            <a:spLocks noGrp="1" noRot="1" noChangeAspect="1"/>
+          </p:cNvSpPr>
+          <p:nvPr>
+            <p:ph type="sldImg"/>
+          </p:nvPr>
+        </p:nvSpPr>
+        <p:spPr>
+          <a:xfrm>
+            <a:off x="1387475" y="1143000"/>
+            <a:ext cx="4083050" cy="3086100"/>
+          </a:xfrm>
+        </p:spPr>
+      </p:sp>
+      <p:sp>
+        <p:nvSpPr>
+          <p:cNvPr id="3" name="Notes Placeholder 2"/>
+          <p:cNvSpPr>
+            <a:spLocks noGrp="1"/>
+          </p:cNvSpPr>
+          <p:nvPr>
+            <p:ph type="body" idx="1"/>
+          </p:nvPr>
+        </p:nvSpPr>
+        <p:spPr/>
+        <p:txBody>
+          <a:bodyPr/>
+          <a:lstStyle/>
+          <a:p>
+            <a:endParaRPr lang="en-US" dirty="0"/>
+          </a:p>
+        </p:txBody>
+      </p:sp>
+      <p:sp>
+        <p:nvSpPr>
+          <p:cNvPr id="4" name="Slide Number Placeholder 3"/>
+          <p:cNvSpPr>
+            <a:spLocks noGrp="1"/>
+          </p:cNvSpPr>
+          <p:nvPr>
+            <p:ph type="sldNum" sz="quarter" idx="10"/>
+          </p:nvPr>
+        </p:nvSpPr>
+        <p:spPr/>
+        <p:txBody>
+          <a:bodyPr/>
+          <a:lstStyle/>
+          <a:p>
+            <a:fld id="{13482F21-3E75-944F-B9DD-587CCCD048A4}" type="slidenum">
+              <a:rPr lang="en-US" smtClean="0"/>
+              <a:t>4</a:t>
+            </a:fld>
+            <a:endParaRPr lang="en-US"/>
+          </a:p>
+        </p:txBody>
+      </p:sp>
+    </p:spTree>
+    <p:extLst>
+      <p:ext uri="{BB962C8B-B14F-4D97-AF65-F5344CB8AC3E}">
+        <p14:creationId xmlns:p14="http://schemas.microsoft.com/office/powerpoint/2010/main" val="1150458322"/>
+      </p:ext>
+    </p:extLst>
+  </p:cSld>
+  <p:clrMapOvr>
+    <a:masterClrMapping/>
+  </p:clrMapOvr>
+</p:notes>
+</file>
+
+<file path=ppt/notesSlides/notesSlide4.xml><?xml version="1.0" encoding="utf-8"?>
 <p:notes xmlns:a="http://schemas.openxmlformats.org/drawingml/2006/main" xmlns:r="http://schemas.openxmlformats.org/officeDocument/2006/relationships" xmlns:p="http://schemas.openxmlformats.org/presentationml/2006/main">
   <p:cSld>
     <p:spTree>
@@ -638,7 +817,7 @@
           <a:p>
             <a:fld id="{13482F21-3E75-944F-B9DD-587CCCD048A4}" type="slidenum">
               <a:rPr lang="en-US" smtClean="0"/>
-              <a:t>2</a:t>
+              <a:t>5</a:t>
             </a:fld>
             <a:endParaRPr lang="en-US"/>
           </a:p>
@@ -647,96 +826,7 @@
     </p:spTree>
     <p:extLst>
       <p:ext uri="{BB962C8B-B14F-4D97-AF65-F5344CB8AC3E}">
-        <p14:creationId xmlns:p14="http://schemas.microsoft.com/office/powerpoint/2010/main" val="1688773830"/>
-      </p:ext>
-    </p:extLst>
-  </p:cSld>
-  <p:clrMapOvr>
-    <a:masterClrMapping/>
-  </p:clrMapOvr>
-</p:notes>
-</file>
-
-<file path=ppt/notesSlides/notesSlide3.xml><?xml version="1.0" encoding="utf-8"?>
-<p:notes xmlns:a="http://schemas.openxmlformats.org/drawingml/2006/main" xmlns:r="http://schemas.openxmlformats.org/officeDocument/2006/relationships" xmlns:p="http://schemas.openxmlformats.org/presentationml/2006/main">
-  <p:cSld>
-    <p:spTree>
-      <p:nvGrpSpPr>
-        <p:cNvPr id="1" name=""/>
-        <p:cNvGrpSpPr/>
-        <p:nvPr/>
-      </p:nvGrpSpPr>
-      <p:grpSpPr>
-        <a:xfrm>
-          <a:off x="0" y="0"/>
-          <a:ext cx="0" cy="0"/>
-          <a:chOff x="0" y="0"/>
-          <a:chExt cx="0" cy="0"/>
-        </a:xfrm>
-      </p:grpSpPr>
-      <p:sp>
-        <p:nvSpPr>
-          <p:cNvPr id="2" name="Slide Image Placeholder 1"/>
-          <p:cNvSpPr>
-            <a:spLocks noGrp="1" noRot="1" noChangeAspect="1"/>
-          </p:cNvSpPr>
-          <p:nvPr>
-            <p:ph type="sldImg"/>
-          </p:nvPr>
-        </p:nvSpPr>
-        <p:spPr>
-          <a:xfrm>
-            <a:off x="1160463" y="1143000"/>
-            <a:ext cx="4537075" cy="3086100"/>
-          </a:xfrm>
-        </p:spPr>
-      </p:sp>
-      <p:sp>
-        <p:nvSpPr>
-          <p:cNvPr id="3" name="Notes Placeholder 2"/>
-          <p:cNvSpPr>
-            <a:spLocks noGrp="1"/>
-          </p:cNvSpPr>
-          <p:nvPr>
-            <p:ph type="body" idx="1"/>
-          </p:nvPr>
-        </p:nvSpPr>
-        <p:spPr/>
-        <p:txBody>
-          <a:bodyPr/>
-          <a:lstStyle/>
-          <a:p>
-            <a:endParaRPr lang="en-US" dirty="0"/>
-          </a:p>
-        </p:txBody>
-      </p:sp>
-      <p:sp>
-        <p:nvSpPr>
-          <p:cNvPr id="4" name="Slide Number Placeholder 3"/>
-          <p:cNvSpPr>
-            <a:spLocks noGrp="1"/>
-          </p:cNvSpPr>
-          <p:nvPr>
-            <p:ph type="sldNum" sz="quarter" idx="10"/>
-          </p:nvPr>
-        </p:nvSpPr>
-        <p:spPr/>
-        <p:txBody>
-          <a:bodyPr/>
-          <a:lstStyle/>
-          <a:p>
-            <a:fld id="{13482F21-3E75-944F-B9DD-587CCCD048A4}" type="slidenum">
-              <a:rPr lang="en-US" smtClean="0"/>
-              <a:t>4</a:t>
-            </a:fld>
-            <a:endParaRPr lang="en-US"/>
-          </a:p>
-        </p:txBody>
-      </p:sp>
-    </p:spTree>
-    <p:extLst>
-      <p:ext uri="{BB962C8B-B14F-4D97-AF65-F5344CB8AC3E}">
-        <p14:creationId xmlns:p14="http://schemas.microsoft.com/office/powerpoint/2010/main" val="1150458322"/>
+        <p14:creationId xmlns:p14="http://schemas.microsoft.com/office/powerpoint/2010/main" val="1906298013"/>
       </p:ext>
     </p:extLst>
   </p:cSld>
@@ -775,8 +865,8 @@
         </p:nvSpPr>
         <p:spPr>
           <a:xfrm>
-            <a:off x="685800" y="1017661"/>
-            <a:ext cx="7772400" cy="2164868"/>
+            <a:off x="493776" y="1017661"/>
+            <a:ext cx="5596128" cy="2164868"/>
           </a:xfrm>
         </p:spPr>
         <p:txBody>
@@ -807,8 +897,8 @@
         </p:nvSpPr>
         <p:spPr>
           <a:xfrm>
-            <a:off x="1143000" y="3266015"/>
-            <a:ext cx="6858000" cy="1501301"/>
+            <a:off x="822960" y="3266017"/>
+            <a:ext cx="4937760" cy="1501301"/>
           </a:xfrm>
         </p:spPr>
         <p:txBody>
@@ -877,7 +967,7 @@
           <a:p>
             <a:fld id="{3DCE1850-9618-934D-99E5-2C801E5D7200}" type="datetimeFigureOut">
               <a:rPr lang="en-US" smtClean="0"/>
-              <a:t>10/31/16</a:t>
+              <a:t>11/8/16</a:t>
             </a:fld>
             <a:endParaRPr lang="en-US"/>
           </a:p>
@@ -1047,7 +1137,7 @@
           <a:p>
             <a:fld id="{3DCE1850-9618-934D-99E5-2C801E5D7200}" type="datetimeFigureOut">
               <a:rPr lang="en-US" smtClean="0"/>
-              <a:t>10/31/16</a:t>
+              <a:t>11/8/16</a:t>
             </a:fld>
             <a:endParaRPr lang="en-US"/>
           </a:p>
@@ -1137,8 +1227,8 @@
         </p:nvSpPr>
         <p:spPr>
           <a:xfrm>
-            <a:off x="6543676" y="331064"/>
-            <a:ext cx="1971675" cy="5269669"/>
+            <a:off x="4711447" y="331066"/>
+            <a:ext cx="1419606" cy="5269669"/>
           </a:xfrm>
         </p:spPr>
         <p:txBody>
@@ -1165,8 +1255,8 @@
         </p:nvSpPr>
         <p:spPr>
           <a:xfrm>
-            <a:off x="628651" y="331064"/>
-            <a:ext cx="5800725" cy="5269669"/>
+            <a:off x="452629" y="331066"/>
+            <a:ext cx="4176522" cy="5269669"/>
           </a:xfrm>
         </p:spPr>
         <p:txBody>
@@ -1227,7 +1317,7 @@
           <a:p>
             <a:fld id="{3DCE1850-9618-934D-99E5-2C801E5D7200}" type="datetimeFigureOut">
               <a:rPr lang="en-US" smtClean="0"/>
-              <a:t>10/31/16</a:t>
+              <a:t>11/8/16</a:t>
             </a:fld>
             <a:endParaRPr lang="en-US"/>
           </a:p>
@@ -1397,7 +1487,7 @@
           <a:p>
             <a:fld id="{3DCE1850-9618-934D-99E5-2C801E5D7200}" type="datetimeFigureOut">
               <a:rPr lang="en-US" smtClean="0"/>
-              <a:t>10/31/16</a:t>
+              <a:t>11/8/16</a:t>
             </a:fld>
             <a:endParaRPr lang="en-US"/>
           </a:p>
@@ -1487,8 +1577,8 @@
         </p:nvSpPr>
         <p:spPr>
           <a:xfrm>
-            <a:off x="623888" y="1550243"/>
-            <a:ext cx="7886700" cy="2586614"/>
+            <a:off x="449199" y="1550243"/>
+            <a:ext cx="5678424" cy="2586614"/>
           </a:xfrm>
         </p:spPr>
         <p:txBody>
@@ -1519,8 +1609,8 @@
         </p:nvSpPr>
         <p:spPr>
           <a:xfrm>
-            <a:off x="623888" y="4161327"/>
-            <a:ext cx="7886700" cy="1360239"/>
+            <a:off x="449199" y="4161329"/>
+            <a:ext cx="5678424" cy="1360239"/>
           </a:xfrm>
         </p:spPr>
         <p:txBody>
@@ -1641,7 +1731,7 @@
           <a:p>
             <a:fld id="{3DCE1850-9618-934D-99E5-2C801E5D7200}" type="datetimeFigureOut">
               <a:rPr lang="en-US" smtClean="0"/>
-              <a:t>10/31/16</a:t>
+              <a:t>11/8/16</a:t>
             </a:fld>
             <a:endParaRPr lang="en-US"/>
           </a:p>
@@ -1754,8 +1844,8 @@
         </p:nvSpPr>
         <p:spPr>
           <a:xfrm>
-            <a:off x="628650" y="1655318"/>
-            <a:ext cx="3886200" cy="3945415"/>
+            <a:off x="452628" y="1655320"/>
+            <a:ext cx="2798064" cy="3945415"/>
           </a:xfrm>
         </p:spPr>
         <p:txBody>
@@ -1811,8 +1901,8 @@
         </p:nvSpPr>
         <p:spPr>
           <a:xfrm>
-            <a:off x="4629150" y="1655318"/>
-            <a:ext cx="3886200" cy="3945415"/>
+            <a:off x="3332988" y="1655320"/>
+            <a:ext cx="2798064" cy="3945415"/>
           </a:xfrm>
         </p:spPr>
         <p:txBody>
@@ -1873,7 +1963,7 @@
           <a:p>
             <a:fld id="{3DCE1850-9618-934D-99E5-2C801E5D7200}" type="datetimeFigureOut">
               <a:rPr lang="en-US" smtClean="0"/>
-              <a:t>10/31/16</a:t>
+              <a:t>11/8/16</a:t>
             </a:fld>
             <a:endParaRPr lang="en-US"/>
           </a:p>
@@ -1963,8 +2053,8 @@
         </p:nvSpPr>
         <p:spPr>
           <a:xfrm>
-            <a:off x="629841" y="331065"/>
-            <a:ext cx="7886700" cy="1201905"/>
+            <a:off x="453486" y="331067"/>
+            <a:ext cx="5678424" cy="1201905"/>
           </a:xfrm>
         </p:spPr>
         <p:txBody>
@@ -1991,8 +2081,8 @@
         </p:nvSpPr>
         <p:spPr>
           <a:xfrm>
-            <a:off x="629842" y="1524332"/>
-            <a:ext cx="3868340" cy="747052"/>
+            <a:off x="453487" y="1524332"/>
+            <a:ext cx="2785205" cy="747052"/>
           </a:xfrm>
         </p:spPr>
         <p:txBody>
@@ -2056,8 +2146,8 @@
         </p:nvSpPr>
         <p:spPr>
           <a:xfrm>
-            <a:off x="629842" y="2271384"/>
-            <a:ext cx="3868340" cy="3340864"/>
+            <a:off x="453487" y="2271384"/>
+            <a:ext cx="2785205" cy="3340864"/>
           </a:xfrm>
         </p:spPr>
         <p:txBody>
@@ -2113,8 +2203,8 @@
         </p:nvSpPr>
         <p:spPr>
           <a:xfrm>
-            <a:off x="4629151" y="1524332"/>
-            <a:ext cx="3887391" cy="747052"/>
+            <a:off x="3332989" y="1524332"/>
+            <a:ext cx="2798922" cy="747052"/>
           </a:xfrm>
         </p:spPr>
         <p:txBody>
@@ -2178,8 +2268,8 @@
         </p:nvSpPr>
         <p:spPr>
           <a:xfrm>
-            <a:off x="4629151" y="2271384"/>
-            <a:ext cx="3887391" cy="3340864"/>
+            <a:off x="3332989" y="2271384"/>
+            <a:ext cx="2798922" cy="3340864"/>
           </a:xfrm>
         </p:spPr>
         <p:txBody>
@@ -2240,7 +2330,7 @@
           <a:p>
             <a:fld id="{3DCE1850-9618-934D-99E5-2C801E5D7200}" type="datetimeFigureOut">
               <a:rPr lang="en-US" smtClean="0"/>
-              <a:t>10/31/16</a:t>
+              <a:t>11/8/16</a:t>
             </a:fld>
             <a:endParaRPr lang="en-US"/>
           </a:p>
@@ -2358,7 +2448,7 @@
           <a:p>
             <a:fld id="{3DCE1850-9618-934D-99E5-2C801E5D7200}" type="datetimeFigureOut">
               <a:rPr lang="en-US" smtClean="0"/>
-              <a:t>10/31/16</a:t>
+              <a:t>11/8/16</a:t>
             </a:fld>
             <a:endParaRPr lang="en-US"/>
           </a:p>
@@ -2453,7 +2543,7 @@
           <a:p>
             <a:fld id="{3DCE1850-9618-934D-99E5-2C801E5D7200}" type="datetimeFigureOut">
               <a:rPr lang="en-US" smtClean="0"/>
-              <a:t>10/31/16</a:t>
+              <a:t>11/8/16</a:t>
             </a:fld>
             <a:endParaRPr lang="en-US"/>
           </a:p>
@@ -2543,8 +2633,8 @@
         </p:nvSpPr>
         <p:spPr>
           <a:xfrm>
-            <a:off x="629841" y="414549"/>
-            <a:ext cx="2949178" cy="1450922"/>
+            <a:off x="453486" y="414549"/>
+            <a:ext cx="2123408" cy="1450922"/>
           </a:xfrm>
         </p:spPr>
         <p:txBody>
@@ -2575,8 +2665,8 @@
         </p:nvSpPr>
         <p:spPr>
           <a:xfrm>
-            <a:off x="3887391" y="895313"/>
-            <a:ext cx="4629150" cy="4418979"/>
+            <a:off x="2798922" y="895315"/>
+            <a:ext cx="3332988" cy="4418979"/>
           </a:xfrm>
         </p:spPr>
         <p:txBody>
@@ -2660,8 +2750,8 @@
         </p:nvSpPr>
         <p:spPr>
           <a:xfrm>
-            <a:off x="629841" y="1865471"/>
-            <a:ext cx="2949178" cy="3456017"/>
+            <a:off x="453486" y="1865473"/>
+            <a:ext cx="2123408" cy="3456017"/>
           </a:xfrm>
         </p:spPr>
         <p:txBody>
@@ -2730,7 +2820,7 @@
           <a:p>
             <a:fld id="{3DCE1850-9618-934D-99E5-2C801E5D7200}" type="datetimeFigureOut">
               <a:rPr lang="en-US" smtClean="0"/>
-              <a:t>10/31/16</a:t>
+              <a:t>11/8/16</a:t>
             </a:fld>
             <a:endParaRPr lang="en-US"/>
           </a:p>
@@ -2820,8 +2910,8 @@
         </p:nvSpPr>
         <p:spPr>
           <a:xfrm>
-            <a:off x="629841" y="414549"/>
-            <a:ext cx="2949178" cy="1450922"/>
+            <a:off x="453486" y="414549"/>
+            <a:ext cx="2123408" cy="1450922"/>
           </a:xfrm>
         </p:spPr>
         <p:txBody>
@@ -2852,8 +2942,8 @@
         </p:nvSpPr>
         <p:spPr>
           <a:xfrm>
-            <a:off x="3887391" y="895313"/>
-            <a:ext cx="4629150" cy="4418979"/>
+            <a:off x="2798922" y="895315"/>
+            <a:ext cx="3332988" cy="4418979"/>
           </a:xfrm>
         </p:spPr>
         <p:txBody>
@@ -2917,8 +3007,8 @@
         </p:nvSpPr>
         <p:spPr>
           <a:xfrm>
-            <a:off x="629841" y="1865471"/>
-            <a:ext cx="2949178" cy="3456017"/>
+            <a:off x="453486" y="1865473"/>
+            <a:ext cx="2123408" cy="3456017"/>
           </a:xfrm>
         </p:spPr>
         <p:txBody>
@@ -2987,7 +3077,7 @@
           <a:p>
             <a:fld id="{3DCE1850-9618-934D-99E5-2C801E5D7200}" type="datetimeFigureOut">
               <a:rPr lang="en-US" smtClean="0"/>
-              <a:t>10/31/16</a:t>
+              <a:t>11/8/16</a:t>
             </a:fld>
             <a:endParaRPr lang="en-US"/>
           </a:p>
@@ -3082,8 +3172,8 @@
         </p:nvSpPr>
         <p:spPr>
           <a:xfrm>
-            <a:off x="628650" y="331065"/>
-            <a:ext cx="7886700" cy="1201905"/>
+            <a:off x="452628" y="331067"/>
+            <a:ext cx="5678424" cy="1201905"/>
           </a:xfrm>
           <a:prstGeom prst="rect">
             <a:avLst/>
@@ -3115,8 +3205,8 @@
         </p:nvSpPr>
         <p:spPr>
           <a:xfrm>
-            <a:off x="628650" y="1655318"/>
-            <a:ext cx="7886700" cy="3945415"/>
+            <a:off x="452628" y="1655320"/>
+            <a:ext cx="5678424" cy="3945415"/>
           </a:xfrm>
           <a:prstGeom prst="rect">
             <a:avLst/>
@@ -3177,8 +3267,8 @@
         </p:nvSpPr>
         <p:spPr>
           <a:xfrm>
-            <a:off x="628650" y="5763387"/>
-            <a:ext cx="2057400" cy="331064"/>
+            <a:off x="452628" y="5763387"/>
+            <a:ext cx="1481328" cy="331064"/>
           </a:xfrm>
           <a:prstGeom prst="rect">
             <a:avLst/>
@@ -3200,7 +3290,7 @@
           <a:p>
             <a:fld id="{3DCE1850-9618-934D-99E5-2C801E5D7200}" type="datetimeFigureOut">
               <a:rPr lang="en-US" smtClean="0"/>
-              <a:t>10/31/16</a:t>
+              <a:t>11/8/16</a:t>
             </a:fld>
             <a:endParaRPr lang="en-US"/>
           </a:p>
@@ -3218,8 +3308,8 @@
         </p:nvSpPr>
         <p:spPr>
           <a:xfrm>
-            <a:off x="3028950" y="5763387"/>
-            <a:ext cx="3086100" cy="331064"/>
+            <a:off x="2180844" y="5763387"/>
+            <a:ext cx="2221992" cy="331064"/>
           </a:xfrm>
           <a:prstGeom prst="rect">
             <a:avLst/>
@@ -3255,8 +3345,8 @@
         </p:nvSpPr>
         <p:spPr>
           <a:xfrm>
-            <a:off x="6457950" y="5763387"/>
-            <a:ext cx="2057400" cy="331064"/>
+            <a:off x="4649724" y="5763387"/>
+            <a:ext cx="1481328" cy="331064"/>
           </a:xfrm>
           <a:prstGeom prst="rect">
             <a:avLst/>
@@ -3613,7 +3703,7 @@
         </p:nvSpPr>
         <p:spPr>
           <a:xfrm>
-            <a:off x="2532185" y="-185319"/>
+            <a:off x="1160585" y="-185319"/>
             <a:ext cx="4581144" cy="6547104"/>
           </a:xfrm>
           <a:prstGeom prst="rect">
@@ -3659,7 +3749,7 @@
         </p:nvSpPr>
         <p:spPr>
           <a:xfrm>
-            <a:off x="4446270" y="3909552"/>
+            <a:off x="3074670" y="3909552"/>
             <a:ext cx="251460" cy="150876"/>
           </a:xfrm>
           <a:prstGeom prst="rect">
@@ -3719,7 +3809,7 @@
         </p:blipFill>
         <p:spPr>
           <a:xfrm>
-            <a:off x="4375150" y="274280"/>
+            <a:off x="3003550" y="274280"/>
             <a:ext cx="393700" cy="342278"/>
           </a:xfrm>
           <a:prstGeom prst="rect">
@@ -3750,7 +3840,7 @@
         </p:blipFill>
         <p:spPr>
           <a:xfrm>
-            <a:off x="2710181" y="3813851"/>
+            <a:off x="1338581" y="3813851"/>
             <a:ext cx="393700" cy="342278"/>
           </a:xfrm>
           <a:prstGeom prst="rect">
@@ -3781,7 +3871,7 @@
         </p:blipFill>
         <p:spPr>
           <a:xfrm>
-            <a:off x="6569710" y="3813851"/>
+            <a:off x="5198110" y="3813851"/>
             <a:ext cx="393700" cy="342278"/>
           </a:xfrm>
           <a:prstGeom prst="rect">
@@ -3811,7 +3901,7 @@
         </p:blipFill>
         <p:spPr>
           <a:xfrm>
-            <a:off x="4375150" y="1920777"/>
+            <a:off x="3003550" y="1920777"/>
             <a:ext cx="393700" cy="342278"/>
           </a:xfrm>
           <a:prstGeom prst="rect">
@@ -3830,7 +3920,7 @@
         </p:nvCxnSpPr>
         <p:spPr>
           <a:xfrm>
-            <a:off x="4572000" y="616569"/>
+            <a:off x="3200400" y="616571"/>
             <a:ext cx="0" cy="1304219"/>
           </a:xfrm>
           <a:prstGeom prst="straightConnector1">
@@ -3867,7 +3957,7 @@
         </p:nvCxnSpPr>
         <p:spPr>
           <a:xfrm flipV="1">
-            <a:off x="3103881" y="3962868"/>
+            <a:off x="1732281" y="3962868"/>
             <a:ext cx="511334" cy="22122"/>
           </a:xfrm>
           <a:prstGeom prst="straightConnector1">
@@ -3915,7 +4005,7 @@
         </p:blipFill>
         <p:spPr>
           <a:xfrm>
-            <a:off x="3615215" y="3791729"/>
+            <a:off x="2243615" y="3791729"/>
             <a:ext cx="393700" cy="342278"/>
           </a:xfrm>
           <a:prstGeom prst="rect">
@@ -3945,7 +4035,7 @@
         </p:blipFill>
         <p:spPr>
           <a:xfrm>
-            <a:off x="5374669" y="3813851"/>
+            <a:off x="4003069" y="3813851"/>
             <a:ext cx="393700" cy="342278"/>
           </a:xfrm>
           <a:prstGeom prst="rect">
@@ -3964,7 +4054,7 @@
         </p:nvCxnSpPr>
         <p:spPr>
           <a:xfrm flipH="1">
-            <a:off x="5768380" y="3984990"/>
+            <a:off x="4396782" y="3984990"/>
             <a:ext cx="801341" cy="0"/>
           </a:xfrm>
           <a:prstGeom prst="straightConnector1">
@@ -4000,7 +4090,7 @@
         </p:nvSpPr>
         <p:spPr>
           <a:xfrm>
-            <a:off x="1060704" y="-1309201"/>
+            <a:off x="-310896" y="-1309201"/>
             <a:ext cx="7022592" cy="7022592"/>
           </a:xfrm>
           <a:prstGeom prst="pie">
@@ -4062,7 +4152,7 @@
         </p:nvSpPr>
         <p:spPr>
           <a:xfrm>
-            <a:off x="1060704" y="-1309201"/>
+            <a:off x="-310896" y="-1309201"/>
             <a:ext cx="7022592" cy="7022592"/>
           </a:xfrm>
           <a:prstGeom prst="pie">
@@ -4124,7 +4214,7 @@
         </p:nvSpPr>
         <p:spPr>
           <a:xfrm>
-            <a:off x="2942342" y="642630"/>
+            <a:off x="1570742" y="642632"/>
             <a:ext cx="3259314" cy="3259313"/>
           </a:xfrm>
           <a:prstGeom prst="pie">
@@ -4186,7 +4276,7 @@
         </p:nvSpPr>
         <p:spPr>
           <a:xfrm>
-            <a:off x="2532185" y="454686"/>
+            <a:off x="1160585" y="454686"/>
             <a:ext cx="6152642" cy="7022592"/>
           </a:xfrm>
           <a:prstGeom prst="pie">
@@ -4248,7 +4338,7 @@
         </p:nvSpPr>
         <p:spPr>
           <a:xfrm>
-            <a:off x="2532185" y="473694"/>
+            <a:off x="1160585" y="473694"/>
             <a:ext cx="6068752" cy="7022592"/>
           </a:xfrm>
           <a:prstGeom prst="pie">
@@ -4310,7 +4400,7 @@
         </p:nvSpPr>
         <p:spPr>
           <a:xfrm>
-            <a:off x="4697730" y="3150564"/>
+            <a:off x="3326130" y="3150566"/>
             <a:ext cx="1591682" cy="1646821"/>
           </a:xfrm>
           <a:prstGeom prst="pie">
@@ -4372,7 +4462,7 @@
         </p:nvSpPr>
         <p:spPr>
           <a:xfrm flipH="1" flipV="1">
-            <a:off x="789150" y="473694"/>
+            <a:off x="-582450" y="473694"/>
             <a:ext cx="6285576" cy="7022592"/>
           </a:xfrm>
           <a:prstGeom prst="pie">
@@ -4434,7 +4524,7 @@
         </p:nvSpPr>
         <p:spPr>
           <a:xfrm flipH="1" flipV="1">
-            <a:off x="705260" y="484313"/>
+            <a:off x="-666340" y="484313"/>
             <a:ext cx="6285576" cy="7022592"/>
           </a:xfrm>
           <a:prstGeom prst="pie">
@@ -4496,7 +4586,7 @@
         </p:nvSpPr>
         <p:spPr>
           <a:xfrm flipH="1" flipV="1">
-            <a:off x="3348510" y="3426306"/>
+            <a:off x="1976912" y="3426306"/>
             <a:ext cx="1097769" cy="1139368"/>
           </a:xfrm>
           <a:prstGeom prst="pie">
@@ -4556,7 +4646,7 @@
         </p:nvCxnSpPr>
         <p:spPr>
           <a:xfrm>
-            <a:off x="9565547" y="3434365"/>
+            <a:off x="7279547" y="3434365"/>
             <a:ext cx="0" cy="2927420"/>
           </a:xfrm>
           <a:prstGeom prst="straightConnector1">
@@ -4589,7 +4679,7 @@
         </p:nvCxnSpPr>
         <p:spPr>
           <a:xfrm flipV="1">
-            <a:off x="9565547" y="-185318"/>
+            <a:off x="7279547" y="-185318"/>
             <a:ext cx="0" cy="2919030"/>
           </a:xfrm>
           <a:prstGeom prst="straightConnector1">
@@ -4622,7 +4712,7 @@
         </p:nvSpPr>
         <p:spPr>
           <a:xfrm>
-            <a:off x="9264281" y="2922126"/>
+            <a:off x="6978281" y="2922126"/>
             <a:ext cx="830510" cy="290208"/>
           </a:xfrm>
           <a:prstGeom prst="rect">
@@ -4653,7 +4743,7 @@
         </p:nvCxnSpPr>
         <p:spPr>
           <a:xfrm flipH="1">
-            <a:off x="2532186" y="6254981"/>
+            <a:off x="1160586" y="6254981"/>
             <a:ext cx="1842964" cy="51341"/>
           </a:xfrm>
           <a:prstGeom prst="straightConnector1">
@@ -4688,7 +4778,7 @@
         </p:nvCxnSpPr>
         <p:spPr>
           <a:xfrm>
-            <a:off x="5205667" y="6254981"/>
+            <a:off x="3834069" y="6254981"/>
             <a:ext cx="1914275" cy="33972"/>
           </a:xfrm>
           <a:prstGeom prst="straightConnector1">
@@ -4721,7 +4811,7 @@
         </p:nvSpPr>
         <p:spPr>
           <a:xfrm>
-            <a:off x="4375150" y="6338477"/>
+            <a:off x="3003550" y="6338477"/>
             <a:ext cx="830510" cy="290208"/>
           </a:xfrm>
           <a:prstGeom prst="rect">
@@ -4780,7 +4870,7 @@
         </p:nvGrpSpPr>
         <p:grpSpPr>
           <a:xfrm>
-            <a:off x="962117" y="-869555"/>
+            <a:off x="-409482" y="-869555"/>
             <a:ext cx="6124487" cy="7087793"/>
             <a:chOff x="1060704" y="-989320"/>
             <a:chExt cx="7022592" cy="8127159"/>
@@ -5649,7 +5739,7 @@
         </p:blipFill>
         <p:spPr>
           <a:xfrm>
-            <a:off x="3070458" y="150942"/>
+            <a:off x="1698860" y="150944"/>
             <a:ext cx="2719453" cy="3629637"/>
           </a:xfrm>
           <a:prstGeom prst="rect">
@@ -5665,7 +5755,7 @@
         </p:nvSpPr>
         <p:spPr>
           <a:xfrm>
-            <a:off x="3977178" y="562004"/>
+            <a:off x="2605580" y="562006"/>
             <a:ext cx="872455" cy="872455"/>
           </a:xfrm>
           <a:prstGeom prst="ellipse">
@@ -5716,7 +5806,7 @@
         </p:nvSpPr>
         <p:spPr>
           <a:xfrm>
-            <a:off x="3641084" y="1887466"/>
+            <a:off x="2269484" y="1887468"/>
             <a:ext cx="1578192" cy="580239"/>
           </a:xfrm>
           <a:prstGeom prst="ellipse">
@@ -5761,7 +5851,7 @@
         </p:nvSpPr>
         <p:spPr>
           <a:xfrm>
-            <a:off x="3624305" y="2630592"/>
+            <a:off x="2252705" y="2630594"/>
             <a:ext cx="1578192" cy="580239"/>
           </a:xfrm>
           <a:prstGeom prst="ellipse">
@@ -5806,7 +5896,7 @@
         </p:nvSpPr>
         <p:spPr>
           <a:xfrm>
-            <a:off x="5896973" y="857102"/>
+            <a:off x="4525375" y="857104"/>
             <a:ext cx="691641" cy="282257"/>
           </a:xfrm>
           <a:prstGeom prst="rect">
@@ -5850,7 +5940,7 @@
         </p:nvSpPr>
         <p:spPr>
           <a:xfrm>
-            <a:off x="5890754" y="1946193"/>
+            <a:off x="4519154" y="1946195"/>
             <a:ext cx="697856" cy="472181"/>
           </a:xfrm>
           <a:prstGeom prst="rect">
@@ -5894,7 +5984,7 @@
         </p:nvSpPr>
         <p:spPr>
           <a:xfrm>
-            <a:off x="5890754" y="2779582"/>
+            <a:off x="4519154" y="2779584"/>
             <a:ext cx="697856" cy="282257"/>
           </a:xfrm>
           <a:prstGeom prst="rect">
@@ -5941,7 +6031,7 @@
         </p:nvCxnSpPr>
         <p:spPr>
           <a:xfrm flipV="1">
-            <a:off x="4849629" y="998231"/>
+            <a:off x="3478029" y="998233"/>
             <a:ext cx="1047340" cy="1"/>
           </a:xfrm>
           <a:prstGeom prst="straightConnector1">
@@ -5977,7 +6067,7 @@
         </p:nvCxnSpPr>
         <p:spPr>
           <a:xfrm>
-            <a:off x="5219276" y="2177582"/>
+            <a:off x="3847676" y="2177582"/>
             <a:ext cx="671478" cy="4698"/>
           </a:xfrm>
           <a:prstGeom prst="straightConnector1">
@@ -6013,7 +6103,7 @@
         </p:nvCxnSpPr>
         <p:spPr>
           <a:xfrm flipV="1">
-            <a:off x="5202501" y="2920711"/>
+            <a:off x="3830903" y="2920713"/>
             <a:ext cx="688257" cy="1"/>
           </a:xfrm>
           <a:prstGeom prst="straightConnector1">
@@ -6046,7 +6136,7 @@
         </p:nvGrpSpPr>
         <p:grpSpPr>
           <a:xfrm>
-            <a:off x="3245890" y="3807715"/>
+            <a:off x="1874290" y="3807715"/>
             <a:ext cx="2335022" cy="2335022"/>
             <a:chOff x="1145024" y="3903930"/>
             <a:chExt cx="2335022" cy="2335022"/>
@@ -6573,7 +6663,7 @@
         </p:nvCxnSpPr>
         <p:spPr>
           <a:xfrm rot="5400000">
-            <a:off x="2179503" y="2379735"/>
+            <a:off x="807905" y="2379735"/>
             <a:ext cx="3179185" cy="416166"/>
           </a:xfrm>
           <a:prstGeom prst="bentConnector4">
@@ -6612,7 +6702,7 @@
         </p:nvCxnSpPr>
         <p:spPr>
           <a:xfrm rot="16200000" flipH="1">
-            <a:off x="3834849" y="3536040"/>
+            <a:off x="2463251" y="3536042"/>
             <a:ext cx="2659055" cy="352435"/>
           </a:xfrm>
           <a:prstGeom prst="bentConnector4">
@@ -6651,7 +6741,7 @@
         </p:nvCxnSpPr>
         <p:spPr>
           <a:xfrm rot="16200000" flipH="1">
-            <a:off x="4286902" y="3810331"/>
+            <a:off x="2915304" y="3810331"/>
             <a:ext cx="1401499" cy="32542"/>
           </a:xfrm>
           <a:prstGeom prst="bentConnector4">
@@ -6717,7 +6807,7 @@
         </p:nvGrpSpPr>
         <p:grpSpPr>
           <a:xfrm>
-            <a:off x="-1196384" y="-869555"/>
+            <a:off x="-2567984" y="-869555"/>
             <a:ext cx="6124487" cy="7087793"/>
             <a:chOff x="1060704" y="-989320"/>
             <a:chExt cx="7022592" cy="8127159"/>
@@ -7317,7 +7407,7 @@
                   <a:lstStyle/>
                   <a:p>
                     <a:r>
-                      <a:rPr lang="en-US" sz="1600" smtClean="0"/>
+                      <a:rPr lang="en-US" sz="1600"/>
                       <a:t>9.09m</a:t>
                     </a:r>
                     <a:endParaRPr lang="en-US" sz="1600" dirty="0"/>
@@ -7573,7 +7663,7 @@
         </p:blipFill>
         <p:spPr>
           <a:xfrm>
-            <a:off x="5397194" y="110596"/>
+            <a:off x="4025596" y="110598"/>
             <a:ext cx="2719453" cy="3629637"/>
           </a:xfrm>
           <a:prstGeom prst="rect">
@@ -7589,7 +7679,7 @@
         </p:nvSpPr>
         <p:spPr>
           <a:xfrm>
-            <a:off x="6303914" y="521658"/>
+            <a:off x="4932316" y="521660"/>
             <a:ext cx="872455" cy="872455"/>
           </a:xfrm>
           <a:prstGeom prst="ellipse">
@@ -7640,7 +7730,7 @@
         </p:nvSpPr>
         <p:spPr>
           <a:xfrm>
-            <a:off x="5967823" y="1847120"/>
+            <a:off x="4596223" y="1847122"/>
             <a:ext cx="1578192" cy="580239"/>
           </a:xfrm>
           <a:prstGeom prst="ellipse">
@@ -7685,7 +7775,7 @@
         </p:nvSpPr>
         <p:spPr>
           <a:xfrm>
-            <a:off x="5951044" y="2590246"/>
+            <a:off x="4579444" y="2590248"/>
             <a:ext cx="1578192" cy="580239"/>
           </a:xfrm>
           <a:prstGeom prst="ellipse">
@@ -7730,7 +7820,7 @@
         </p:nvSpPr>
         <p:spPr>
           <a:xfrm>
-            <a:off x="8223709" y="816756"/>
+            <a:off x="6852111" y="816758"/>
             <a:ext cx="691641" cy="282257"/>
           </a:xfrm>
           <a:prstGeom prst="rect">
@@ -7775,7 +7865,7 @@
         </p:nvSpPr>
         <p:spPr>
           <a:xfrm>
-            <a:off x="8217493" y="1905847"/>
+            <a:off x="6845893" y="1905849"/>
             <a:ext cx="697856" cy="472181"/>
           </a:xfrm>
           <a:prstGeom prst="rect">
@@ -7820,7 +7910,7 @@
         </p:nvSpPr>
         <p:spPr>
           <a:xfrm>
-            <a:off x="8217493" y="2739236"/>
+            <a:off x="6845893" y="2739238"/>
             <a:ext cx="697856" cy="282257"/>
           </a:xfrm>
           <a:prstGeom prst="rect">
@@ -7868,7 +7958,7 @@
         </p:nvCxnSpPr>
         <p:spPr>
           <a:xfrm flipV="1">
-            <a:off x="7176368" y="957885"/>
+            <a:off x="5804768" y="957887"/>
             <a:ext cx="1047340" cy="1"/>
           </a:xfrm>
           <a:prstGeom prst="straightConnector1">
@@ -7904,7 +7994,7 @@
         </p:nvCxnSpPr>
         <p:spPr>
           <a:xfrm>
-            <a:off x="7546015" y="2137239"/>
+            <a:off x="6174415" y="2137239"/>
             <a:ext cx="671478" cy="4698"/>
           </a:xfrm>
           <a:prstGeom prst="straightConnector1">
@@ -7940,7 +8030,7 @@
         </p:nvCxnSpPr>
         <p:spPr>
           <a:xfrm flipV="1">
-            <a:off x="7529237" y="2880365"/>
+            <a:off x="6157639" y="2880367"/>
             <a:ext cx="688257" cy="1"/>
           </a:xfrm>
           <a:prstGeom prst="straightConnector1">
@@ -7973,7 +8063,7 @@
         </p:nvGrpSpPr>
         <p:grpSpPr>
           <a:xfrm>
-            <a:off x="5681793" y="3935524"/>
+            <a:off x="4310195" y="3935526"/>
             <a:ext cx="2127611" cy="2127611"/>
             <a:chOff x="1254188" y="4048932"/>
             <a:chExt cx="2127611" cy="2127611"/>
@@ -8500,7 +8590,7 @@
         </p:nvCxnSpPr>
         <p:spPr>
           <a:xfrm rot="16200000" flipH="1">
-            <a:off x="6159914" y="3517172"/>
+            <a:off x="4788316" y="3517172"/>
             <a:ext cx="2651259" cy="363574"/>
           </a:xfrm>
           <a:prstGeom prst="bentConnector4">
@@ -8538,7 +8628,7 @@
         </p:nvCxnSpPr>
         <p:spPr>
           <a:xfrm rot="16200000" flipH="1">
-            <a:off x="6613638" y="3769988"/>
+            <a:off x="5242040" y="3769988"/>
             <a:ext cx="1401499" cy="32542"/>
           </a:xfrm>
           <a:prstGeom prst="bentConnector4">
@@ -8576,7 +8666,7 @@
         </p:nvCxnSpPr>
         <p:spPr>
           <a:xfrm rot="5400000">
-            <a:off x="4479169" y="2447634"/>
+            <a:off x="3107571" y="2447634"/>
             <a:ext cx="3314499" cy="334994"/>
           </a:xfrm>
           <a:prstGeom prst="bentConnector4">
@@ -8608,6 +8698,1961 @@
     <p:extLst>
       <p:ext uri="{BB962C8B-B14F-4D97-AF65-F5344CB8AC3E}">
         <p14:creationId xmlns:p14="http://schemas.microsoft.com/office/powerpoint/2010/main" val="556520601"/>
+      </p:ext>
+    </p:extLst>
+  </p:cSld>
+  <p:clrMapOvr>
+    <a:masterClrMapping/>
+  </p:clrMapOvr>
+</p:sld>
+</file>
+
+<file path=ppt/slides/slide5.xml><?xml version="1.0" encoding="utf-8"?>
+<p:sld xmlns:a="http://schemas.openxmlformats.org/drawingml/2006/main" xmlns:r="http://schemas.openxmlformats.org/officeDocument/2006/relationships" xmlns:p="http://schemas.openxmlformats.org/presentationml/2006/main">
+  <p:cSld>
+    <p:spTree>
+      <p:nvGrpSpPr>
+        <p:cNvPr id="1" name=""/>
+        <p:cNvGrpSpPr/>
+        <p:nvPr/>
+      </p:nvGrpSpPr>
+      <p:grpSpPr>
+        <a:xfrm>
+          <a:off x="0" y="0"/>
+          <a:ext cx="0" cy="0"/>
+          <a:chOff x="0" y="0"/>
+          <a:chExt cx="0" cy="0"/>
+        </a:xfrm>
+      </p:grpSpPr>
+      <p:grpSp>
+        <p:nvGrpSpPr>
+          <p:cNvPr id="12" name="Group 11"/>
+          <p:cNvGrpSpPr/>
+          <p:nvPr/>
+        </p:nvGrpSpPr>
+        <p:grpSpPr>
+          <a:xfrm>
+            <a:off x="1055873" y="1661187"/>
+            <a:ext cx="4033314" cy="4607539"/>
+            <a:chOff x="1060704" y="-989320"/>
+            <a:chExt cx="7182273" cy="8204817"/>
+          </a:xfrm>
+        </p:grpSpPr>
+        <p:grpSp>
+          <p:nvGrpSpPr>
+            <p:cNvPr id="10" name="Group 9"/>
+            <p:cNvGrpSpPr/>
+            <p:nvPr/>
+          </p:nvGrpSpPr>
+          <p:grpSpPr>
+            <a:xfrm>
+              <a:off x="1060704" y="-989320"/>
+              <a:ext cx="7182273" cy="8204817"/>
+              <a:chOff x="1060704" y="-989320"/>
+              <a:chExt cx="7182273" cy="8204817"/>
+            </a:xfrm>
+          </p:grpSpPr>
+          <p:grpSp>
+            <p:nvGrpSpPr>
+              <p:cNvPr id="3" name="Group 2"/>
+              <p:cNvGrpSpPr/>
+              <p:nvPr/>
+            </p:nvGrpSpPr>
+            <p:grpSpPr>
+              <a:xfrm>
+                <a:off x="2532184" y="134562"/>
+                <a:ext cx="5710793" cy="7080935"/>
+                <a:chOff x="2532184" y="134562"/>
+                <a:chExt cx="5710793" cy="7080935"/>
+              </a:xfrm>
+            </p:grpSpPr>
+            <p:grpSp>
+              <p:nvGrpSpPr>
+                <p:cNvPr id="2" name="Group 1"/>
+                <p:cNvGrpSpPr/>
+                <p:nvPr/>
+              </p:nvGrpSpPr>
+              <p:grpSpPr>
+                <a:xfrm>
+                  <a:off x="2532184" y="134562"/>
+                  <a:ext cx="5710793" cy="6811531"/>
+                  <a:chOff x="2532184" y="134562"/>
+                  <a:chExt cx="5710793" cy="6811531"/>
+                </a:xfrm>
+              </p:grpSpPr>
+              <p:sp>
+                <p:nvSpPr>
+                  <p:cNvPr id="4" name="Rectangle 3"/>
+                  <p:cNvSpPr/>
+                  <p:nvPr/>
+                </p:nvSpPr>
+                <p:spPr>
+                  <a:xfrm>
+                    <a:off x="2532184" y="134562"/>
+                    <a:ext cx="4581143" cy="6547104"/>
+                  </a:xfrm>
+                  <a:prstGeom prst="rect">
+                    <a:avLst/>
+                  </a:prstGeom>
+                  <a:solidFill>
+                    <a:schemeClr val="accent5">
+                      <a:lumMod val="20000"/>
+                      <a:lumOff val="80000"/>
+                      <a:alpha val="27000"/>
+                    </a:schemeClr>
+                  </a:solidFill>
+                  <a:ln w="19050"/>
+                </p:spPr>
+                <p:style>
+                  <a:lnRef idx="2">
+                    <a:schemeClr val="accent1">
+                      <a:shade val="50000"/>
+                    </a:schemeClr>
+                  </a:lnRef>
+                  <a:fillRef idx="1">
+                    <a:schemeClr val="accent1"/>
+                  </a:fillRef>
+                  <a:effectRef idx="0">
+                    <a:schemeClr val="accent1"/>
+                  </a:effectRef>
+                  <a:fontRef idx="minor">
+                    <a:schemeClr val="lt1"/>
+                  </a:fontRef>
+                </p:style>
+                <p:txBody>
+                  <a:bodyPr rot="0" spcFirstLastPara="0" vertOverflow="overflow" horzOverflow="overflow" vert="horz" wrap="square" lIns="91440" tIns="45720" rIns="91440" bIns="45720" numCol="1" spcCol="0" rtlCol="0" fromWordArt="0" anchor="ctr" anchorCtr="0" forceAA="0" compatLnSpc="1">
+                    <a:prstTxWarp prst="textNoShape">
+                      <a:avLst/>
+                    </a:prstTxWarp>
+                    <a:noAutofit/>
+                  </a:bodyPr>
+                  <a:lstStyle/>
+                  <a:p>
+                    <a:pPr algn="ctr"/>
+                    <a:endParaRPr lang="en-US"/>
+                  </a:p>
+                </p:txBody>
+              </p:sp>
+              <p:sp>
+                <p:nvSpPr>
+                  <p:cNvPr id="5" name="Rectangle 4"/>
+                  <p:cNvSpPr/>
+                  <p:nvPr/>
+                </p:nvSpPr>
+                <p:spPr>
+                  <a:xfrm>
+                    <a:off x="4446270" y="4229433"/>
+                    <a:ext cx="251460" cy="150876"/>
+                  </a:xfrm>
+                  <a:prstGeom prst="rect">
+                    <a:avLst/>
+                  </a:prstGeom>
+                  <a:solidFill>
+                    <a:schemeClr val="tx1">
+                      <a:lumMod val="65000"/>
+                      <a:lumOff val="35000"/>
+                    </a:schemeClr>
+                  </a:solidFill>
+                  <a:ln>
+                    <a:noFill/>
+                  </a:ln>
+                </p:spPr>
+                <p:style>
+                  <a:lnRef idx="2">
+                    <a:schemeClr val="dk1">
+                      <a:shade val="50000"/>
+                    </a:schemeClr>
+                  </a:lnRef>
+                  <a:fillRef idx="1">
+                    <a:schemeClr val="dk1"/>
+                  </a:fillRef>
+                  <a:effectRef idx="0">
+                    <a:schemeClr val="dk1"/>
+                  </a:effectRef>
+                  <a:fontRef idx="minor">
+                    <a:schemeClr val="lt1"/>
+                  </a:fontRef>
+                </p:style>
+                <p:txBody>
+                  <a:bodyPr rot="0" spcFirstLastPara="0" vertOverflow="overflow" horzOverflow="overflow" vert="horz" wrap="square" lIns="91440" tIns="45720" rIns="91440" bIns="45720" numCol="1" spcCol="0" rtlCol="0" fromWordArt="0" anchor="ctr" anchorCtr="0" forceAA="0" compatLnSpc="1">
+                    <a:prstTxWarp prst="textNoShape">
+                      <a:avLst/>
+                    </a:prstTxWarp>
+                    <a:noAutofit/>
+                  </a:bodyPr>
+                  <a:lstStyle/>
+                  <a:p>
+                    <a:pPr algn="ctr"/>
+                    <a:endParaRPr lang="en-US"/>
+                  </a:p>
+                </p:txBody>
+              </p:sp>
+              <p:pic>
+                <p:nvPicPr>
+                  <p:cNvPr id="6" name="Picture 5"/>
+                  <p:cNvPicPr>
+                    <a:picLocks noChangeAspect="1"/>
+                  </p:cNvPicPr>
+                  <p:nvPr/>
+                </p:nvPicPr>
+                <p:blipFill>
+                  <a:blip r:embed="rId3">
+                    <a:alphaModFix amt="35000"/>
+                    <a:extLst>
+                      <a:ext uri="{28A0092B-C50C-407E-A947-70E740481C1C}">
+                        <a14:useLocalDpi xmlns:a14="http://schemas.microsoft.com/office/drawing/2010/main" val="0"/>
+                      </a:ext>
+                    </a:extLst>
+                  </a:blip>
+                  <a:stretch>
+                    <a:fillRect/>
+                  </a:stretch>
+                </p:blipFill>
+                <p:spPr>
+                  <a:xfrm>
+                    <a:off x="4375150" y="594161"/>
+                    <a:ext cx="393700" cy="342278"/>
+                  </a:xfrm>
+                  <a:prstGeom prst="rect">
+                    <a:avLst/>
+                  </a:prstGeom>
+                </p:spPr>
+              </p:pic>
+              <p:pic>
+                <p:nvPicPr>
+                  <p:cNvPr id="7" name="Picture 6"/>
+                  <p:cNvPicPr>
+                    <a:picLocks noChangeAspect="1"/>
+                  </p:cNvPicPr>
+                  <p:nvPr/>
+                </p:nvPicPr>
+                <p:blipFill>
+                  <a:blip r:embed="rId3">
+                    <a:alphaModFix amt="35000"/>
+                    <a:extLst>
+                      <a:ext uri="{28A0092B-C50C-407E-A947-70E740481C1C}">
+                        <a14:useLocalDpi xmlns:a14="http://schemas.microsoft.com/office/drawing/2010/main" val="0"/>
+                      </a:ext>
+                    </a:extLst>
+                  </a:blip>
+                  <a:stretch>
+                    <a:fillRect/>
+                  </a:stretch>
+                </p:blipFill>
+                <p:spPr>
+                  <a:xfrm>
+                    <a:off x="2710181" y="4133732"/>
+                    <a:ext cx="393700" cy="342278"/>
+                  </a:xfrm>
+                  <a:prstGeom prst="rect">
+                    <a:avLst/>
+                  </a:prstGeom>
+                </p:spPr>
+              </p:pic>
+              <p:pic>
+                <p:nvPicPr>
+                  <p:cNvPr id="8" name="Picture 7"/>
+                  <p:cNvPicPr>
+                    <a:picLocks noChangeAspect="1"/>
+                  </p:cNvPicPr>
+                  <p:nvPr/>
+                </p:nvPicPr>
+                <p:blipFill>
+                  <a:blip r:embed="rId3">
+                    <a:alphaModFix amt="35000"/>
+                    <a:extLst>
+                      <a:ext uri="{28A0092B-C50C-407E-A947-70E740481C1C}">
+                        <a14:useLocalDpi xmlns:a14="http://schemas.microsoft.com/office/drawing/2010/main" val="0"/>
+                      </a:ext>
+                    </a:extLst>
+                  </a:blip>
+                  <a:stretch>
+                    <a:fillRect/>
+                  </a:stretch>
+                </p:blipFill>
+                <p:spPr>
+                  <a:xfrm>
+                    <a:off x="6569710" y="4133732"/>
+                    <a:ext cx="393700" cy="342278"/>
+                  </a:xfrm>
+                  <a:prstGeom prst="rect">
+                    <a:avLst/>
+                  </a:prstGeom>
+                </p:spPr>
+              </p:pic>
+              <p:pic>
+                <p:nvPicPr>
+                  <p:cNvPr id="9" name="Picture 8"/>
+                  <p:cNvPicPr>
+                    <a:picLocks noChangeAspect="1"/>
+                  </p:cNvPicPr>
+                  <p:nvPr/>
+                </p:nvPicPr>
+                <p:blipFill>
+                  <a:blip r:embed="rId3">
+                    <a:extLst>
+                      <a:ext uri="{28A0092B-C50C-407E-A947-70E740481C1C}">
+                        <a14:useLocalDpi xmlns:a14="http://schemas.microsoft.com/office/drawing/2010/main" val="0"/>
+                      </a:ext>
+                    </a:extLst>
+                  </a:blip>
+                  <a:stretch>
+                    <a:fillRect/>
+                  </a:stretch>
+                </p:blipFill>
+                <p:spPr>
+                  <a:xfrm>
+                    <a:off x="4375150" y="2240658"/>
+                    <a:ext cx="393700" cy="342278"/>
+                  </a:xfrm>
+                  <a:prstGeom prst="rect">
+                    <a:avLst/>
+                  </a:prstGeom>
+                </p:spPr>
+              </p:pic>
+              <p:cxnSp>
+                <p:nvCxnSpPr>
+                  <p:cNvPr id="11" name="Straight Arrow Connector 10"/>
+                  <p:cNvCxnSpPr>
+                    <a:stCxn id="6" idx="2"/>
+                    <a:endCxn id="9" idx="0"/>
+                  </p:cNvCxnSpPr>
+                  <p:nvPr/>
+                </p:nvCxnSpPr>
+                <p:spPr>
+                  <a:xfrm>
+                    <a:off x="4572000" y="936439"/>
+                    <a:ext cx="0" cy="1304219"/>
+                  </a:xfrm>
+                  <a:prstGeom prst="straightConnector1">
+                    <a:avLst/>
+                  </a:prstGeom>
+                  <a:ln w="25400">
+                    <a:prstDash val="dash"/>
+                    <a:tailEnd type="triangle"/>
+                  </a:ln>
+                </p:spPr>
+                <p:style>
+                  <a:lnRef idx="2">
+                    <a:schemeClr val="accent2"/>
+                  </a:lnRef>
+                  <a:fillRef idx="0">
+                    <a:schemeClr val="accent2"/>
+                  </a:fillRef>
+                  <a:effectRef idx="1">
+                    <a:schemeClr val="accent2"/>
+                  </a:effectRef>
+                  <a:fontRef idx="minor">
+                    <a:schemeClr val="tx1"/>
+                  </a:fontRef>
+                </p:style>
+              </p:cxnSp>
+              <p:cxnSp>
+                <p:nvCxnSpPr>
+                  <p:cNvPr id="18" name="Straight Arrow Connector 17"/>
+                  <p:cNvCxnSpPr>
+                    <a:stCxn id="7" idx="3"/>
+                    <a:endCxn id="20" idx="1"/>
+                  </p:cNvCxnSpPr>
+                  <p:nvPr/>
+                </p:nvCxnSpPr>
+                <p:spPr>
+                  <a:xfrm flipV="1">
+                    <a:off x="3103881" y="4282749"/>
+                    <a:ext cx="511334" cy="22122"/>
+                  </a:xfrm>
+                  <a:prstGeom prst="straightConnector1">
+                    <a:avLst/>
+                  </a:prstGeom>
+                  <a:ln w="25400">
+                    <a:prstDash val="dash"/>
+                    <a:tailEnd type="triangle"/>
+                  </a:ln>
+                </p:spPr>
+                <p:style>
+                  <a:lnRef idx="2">
+                    <a:schemeClr val="accent2"/>
+                  </a:lnRef>
+                  <a:fillRef idx="0">
+                    <a:schemeClr val="accent2"/>
+                  </a:fillRef>
+                  <a:effectRef idx="1">
+                    <a:schemeClr val="accent2"/>
+                  </a:effectRef>
+                  <a:fontRef idx="minor">
+                    <a:schemeClr val="tx1"/>
+                  </a:fontRef>
+                </p:style>
+              </p:cxnSp>
+              <p:pic>
+                <p:nvPicPr>
+                  <p:cNvPr id="20" name="Picture 19"/>
+                  <p:cNvPicPr>
+                    <a:picLocks noChangeAspect="1"/>
+                  </p:cNvPicPr>
+                  <p:nvPr/>
+                </p:nvPicPr>
+                <p:blipFill>
+                  <a:blip r:embed="rId3">
+                    <a:extLst>
+                      <a:ext uri="{28A0092B-C50C-407E-A947-70E740481C1C}">
+                        <a14:useLocalDpi xmlns:a14="http://schemas.microsoft.com/office/drawing/2010/main" val="0"/>
+                      </a:ext>
+                    </a:extLst>
+                  </a:blip>
+                  <a:stretch>
+                    <a:fillRect/>
+                  </a:stretch>
+                </p:blipFill>
+                <p:spPr>
+                  <a:xfrm>
+                    <a:off x="3615215" y="4111610"/>
+                    <a:ext cx="393700" cy="342278"/>
+                  </a:xfrm>
+                  <a:prstGeom prst="rect">
+                    <a:avLst/>
+                  </a:prstGeom>
+                </p:spPr>
+              </p:pic>
+              <p:pic>
+                <p:nvPicPr>
+                  <p:cNvPr id="23" name="Picture 22"/>
+                  <p:cNvPicPr>
+                    <a:picLocks noChangeAspect="1"/>
+                  </p:cNvPicPr>
+                  <p:nvPr/>
+                </p:nvPicPr>
+                <p:blipFill>
+                  <a:blip r:embed="rId3">
+                    <a:extLst>
+                      <a:ext uri="{28A0092B-C50C-407E-A947-70E740481C1C}">
+                        <a14:useLocalDpi xmlns:a14="http://schemas.microsoft.com/office/drawing/2010/main" val="0"/>
+                      </a:ext>
+                    </a:extLst>
+                  </a:blip>
+                  <a:stretch>
+                    <a:fillRect/>
+                  </a:stretch>
+                </p:blipFill>
+                <p:spPr>
+                  <a:xfrm>
+                    <a:off x="5374669" y="4133732"/>
+                    <a:ext cx="393700" cy="342278"/>
+                  </a:xfrm>
+                  <a:prstGeom prst="rect">
+                    <a:avLst/>
+                  </a:prstGeom>
+                </p:spPr>
+              </p:pic>
+              <p:cxnSp>
+                <p:nvCxnSpPr>
+                  <p:cNvPr id="24" name="Straight Arrow Connector 23"/>
+                  <p:cNvCxnSpPr>
+                    <a:stCxn id="8" idx="1"/>
+                    <a:endCxn id="23" idx="3"/>
+                  </p:cNvCxnSpPr>
+                  <p:nvPr/>
+                </p:nvCxnSpPr>
+                <p:spPr>
+                  <a:xfrm flipH="1">
+                    <a:off x="5768369" y="4304871"/>
+                    <a:ext cx="801341" cy="0"/>
+                  </a:xfrm>
+                  <a:prstGeom prst="straightConnector1">
+                    <a:avLst/>
+                  </a:prstGeom>
+                  <a:ln w="25400">
+                    <a:prstDash val="dash"/>
+                    <a:tailEnd type="triangle"/>
+                  </a:ln>
+                </p:spPr>
+                <p:style>
+                  <a:lnRef idx="2">
+                    <a:schemeClr val="accent2"/>
+                  </a:lnRef>
+                  <a:fillRef idx="0">
+                    <a:schemeClr val="accent2"/>
+                  </a:fillRef>
+                  <a:effectRef idx="1">
+                    <a:schemeClr val="accent2"/>
+                  </a:effectRef>
+                  <a:fontRef idx="minor">
+                    <a:schemeClr val="tx1"/>
+                  </a:fontRef>
+                </p:style>
+              </p:cxnSp>
+              <p:sp>
+                <p:nvSpPr>
+                  <p:cNvPr id="31" name="Pie 30"/>
+                  <p:cNvSpPr>
+                    <a:spLocks/>
+                  </p:cNvSpPr>
+                  <p:nvPr/>
+                </p:nvSpPr>
+                <p:spPr>
+                  <a:xfrm>
+                    <a:off x="2942341" y="930916"/>
+                    <a:ext cx="3259314" cy="3283860"/>
+                  </a:xfrm>
+                  <a:prstGeom prst="pie">
+                    <a:avLst>
+                      <a:gd name="adj1" fmla="val 5077940"/>
+                      <a:gd name="adj2" fmla="val 5727061"/>
+                    </a:avLst>
+                  </a:prstGeom>
+                  <a:solidFill>
+                    <a:schemeClr val="accent2">
+                      <a:alpha val="34000"/>
+                    </a:schemeClr>
+                  </a:solidFill>
+                  <a:ln>
+                    <a:noFill/>
+                  </a:ln>
+                </p:spPr>
+                <p:style>
+                  <a:lnRef idx="2">
+                    <a:schemeClr val="accent2">
+                      <a:shade val="50000"/>
+                    </a:schemeClr>
+                  </a:lnRef>
+                  <a:fillRef idx="1">
+                    <a:schemeClr val="accent2"/>
+                  </a:fillRef>
+                  <a:effectRef idx="0">
+                    <a:schemeClr val="accent2"/>
+                  </a:effectRef>
+                  <a:fontRef idx="minor">
+                    <a:schemeClr val="lt1"/>
+                  </a:fontRef>
+                </p:style>
+                <p:txBody>
+                  <a:bodyPr rot="0" spcFirstLastPara="0" vertOverflow="overflow" horzOverflow="overflow" vert="horz" wrap="square" lIns="91440" tIns="45720" rIns="91440" bIns="45720" numCol="1" spcCol="0" rtlCol="0" fromWordArt="0" anchor="ctr" anchorCtr="0" forceAA="0" compatLnSpc="1">
+                    <a:prstTxWarp prst="textNoShape">
+                      <a:avLst/>
+                    </a:prstTxWarp>
+                    <a:noAutofit/>
+                  </a:bodyPr>
+                  <a:lstStyle/>
+                  <a:p>
+                    <a:pPr algn="ctr"/>
+                    <a:endParaRPr lang="en-US">
+                      <a:solidFill>
+                        <a:schemeClr val="tx1"/>
+                      </a:solidFill>
+                    </a:endParaRPr>
+                  </a:p>
+                </p:txBody>
+              </p:sp>
+              <p:cxnSp>
+                <p:nvCxnSpPr>
+                  <p:cNvPr id="42" name="Straight Arrow Connector 41"/>
+                  <p:cNvCxnSpPr/>
+                  <p:nvPr/>
+                </p:nvCxnSpPr>
+                <p:spPr>
+                  <a:xfrm>
+                    <a:off x="7508147" y="3754246"/>
+                    <a:ext cx="0" cy="2927420"/>
+                  </a:xfrm>
+                  <a:prstGeom prst="straightConnector1">
+                    <a:avLst/>
+                  </a:prstGeom>
+                  <a:ln w="12700">
+                    <a:tailEnd type="triangle"/>
+                  </a:ln>
+                </p:spPr>
+                <p:style>
+                  <a:lnRef idx="1">
+                    <a:schemeClr val="accent1"/>
+                  </a:lnRef>
+                  <a:fillRef idx="0">
+                    <a:schemeClr val="accent1"/>
+                  </a:fillRef>
+                  <a:effectRef idx="0">
+                    <a:schemeClr val="accent1"/>
+                  </a:effectRef>
+                  <a:fontRef idx="minor">
+                    <a:schemeClr val="tx1"/>
+                  </a:fontRef>
+                </p:style>
+              </p:cxnSp>
+              <p:cxnSp>
+                <p:nvCxnSpPr>
+                  <p:cNvPr id="43" name="Straight Arrow Connector 42"/>
+                  <p:cNvCxnSpPr/>
+                  <p:nvPr/>
+                </p:nvCxnSpPr>
+                <p:spPr>
+                  <a:xfrm flipV="1">
+                    <a:off x="7508147" y="134563"/>
+                    <a:ext cx="0" cy="2919030"/>
+                  </a:xfrm>
+                  <a:prstGeom prst="straightConnector1">
+                    <a:avLst/>
+                  </a:prstGeom>
+                  <a:ln w="12700">
+                    <a:tailEnd type="triangle"/>
+                  </a:ln>
+                </p:spPr>
+                <p:style>
+                  <a:lnRef idx="1">
+                    <a:schemeClr val="accent1"/>
+                  </a:lnRef>
+                  <a:fillRef idx="0">
+                    <a:schemeClr val="accent1"/>
+                  </a:fillRef>
+                  <a:effectRef idx="0">
+                    <a:schemeClr val="accent1"/>
+                  </a:effectRef>
+                  <a:fontRef idx="minor">
+                    <a:schemeClr val="tx1"/>
+                  </a:fontRef>
+                </p:style>
+              </p:cxnSp>
+              <p:sp>
+                <p:nvSpPr>
+                  <p:cNvPr id="47" name="TextBox 46"/>
+                  <p:cNvSpPr txBox="1"/>
+                  <p:nvPr/>
+                </p:nvSpPr>
+                <p:spPr>
+                  <a:xfrm>
+                    <a:off x="7206882" y="3242008"/>
+                    <a:ext cx="1036095" cy="465859"/>
+                  </a:xfrm>
+                  <a:prstGeom prst="rect">
+                    <a:avLst/>
+                  </a:prstGeom>
+                  <a:noFill/>
+                </p:spPr>
+                <p:txBody>
+                  <a:bodyPr wrap="square" rtlCol="0">
+                    <a:spAutoFit/>
+                  </a:bodyPr>
+                  <a:lstStyle/>
+                  <a:p>
+                    <a:r>
+                      <a:rPr lang="en-US" sz="1100" dirty="0"/>
+                      <a:t>9.09m</a:t>
+                    </a:r>
+                    <a:endParaRPr lang="en-US" sz="1100" dirty="0"/>
+                  </a:p>
+                </p:txBody>
+              </p:sp>
+              <p:cxnSp>
+                <p:nvCxnSpPr>
+                  <p:cNvPr id="48" name="Straight Arrow Connector 47"/>
+                  <p:cNvCxnSpPr/>
+                  <p:nvPr/>
+                </p:nvCxnSpPr>
+                <p:spPr>
+                  <a:xfrm flipH="1">
+                    <a:off x="2532189" y="6946093"/>
+                    <a:ext cx="1476725" cy="0"/>
+                  </a:xfrm>
+                  <a:prstGeom prst="straightConnector1">
+                    <a:avLst/>
+                  </a:prstGeom>
+                  <a:ln w="12700">
+                    <a:tailEnd type="triangle"/>
+                  </a:ln>
+                </p:spPr>
+                <p:style>
+                  <a:lnRef idx="1">
+                    <a:schemeClr val="accent1"/>
+                  </a:lnRef>
+                  <a:fillRef idx="0">
+                    <a:schemeClr val="accent1"/>
+                  </a:fillRef>
+                  <a:effectRef idx="0">
+                    <a:schemeClr val="accent1"/>
+                  </a:effectRef>
+                  <a:fontRef idx="minor">
+                    <a:schemeClr val="tx1"/>
+                  </a:fontRef>
+                </p:style>
+              </p:cxnSp>
+              <p:cxnSp>
+                <p:nvCxnSpPr>
+                  <p:cNvPr id="52" name="Straight Arrow Connector 51"/>
+                  <p:cNvCxnSpPr/>
+                  <p:nvPr/>
+                </p:nvCxnSpPr>
+                <p:spPr>
+                  <a:xfrm>
+                    <a:off x="5537802" y="6928720"/>
+                    <a:ext cx="1582134" cy="0"/>
+                  </a:xfrm>
+                  <a:prstGeom prst="straightConnector1">
+                    <a:avLst/>
+                  </a:prstGeom>
+                  <a:ln w="12700">
+                    <a:tailEnd type="triangle"/>
+                  </a:ln>
+                </p:spPr>
+                <p:style>
+                  <a:lnRef idx="1">
+                    <a:schemeClr val="accent1"/>
+                  </a:lnRef>
+                  <a:fillRef idx="0">
+                    <a:schemeClr val="accent1"/>
+                  </a:fillRef>
+                  <a:effectRef idx="0">
+                    <a:schemeClr val="accent1"/>
+                  </a:effectRef>
+                  <a:fontRef idx="minor">
+                    <a:schemeClr val="tx1"/>
+                  </a:fontRef>
+                </p:style>
+              </p:cxnSp>
+            </p:grpSp>
+            <p:sp>
+              <p:nvSpPr>
+                <p:cNvPr id="55" name="TextBox 54"/>
+                <p:cNvSpPr txBox="1"/>
+                <p:nvPr/>
+              </p:nvSpPr>
+              <p:spPr>
+                <a:xfrm>
+                  <a:off x="4375149" y="6749638"/>
+                  <a:ext cx="999519" cy="465859"/>
+                </a:xfrm>
+                <a:prstGeom prst="rect">
+                  <a:avLst/>
+                </a:prstGeom>
+                <a:noFill/>
+              </p:spPr>
+              <p:txBody>
+                <a:bodyPr wrap="square" rtlCol="0">
+                  <a:spAutoFit/>
+                </a:bodyPr>
+                <a:lstStyle/>
+                <a:p>
+                  <a:r>
+                    <a:rPr lang="en-US" sz="1100" dirty="0"/>
+                    <a:t>6.37m</a:t>
+                  </a:r>
+                </a:p>
+              </p:txBody>
+            </p:sp>
+          </p:grpSp>
+          <p:sp>
+            <p:nvSpPr>
+              <p:cNvPr id="28" name="Pie 27"/>
+              <p:cNvSpPr>
+                <a:spLocks/>
+              </p:cNvSpPr>
+              <p:nvPr/>
+            </p:nvSpPr>
+            <p:spPr>
+              <a:xfrm>
+                <a:off x="1060704" y="-989320"/>
+                <a:ext cx="7022592" cy="7022592"/>
+              </a:xfrm>
+              <a:prstGeom prst="pie">
+                <a:avLst>
+                  <a:gd name="adj1" fmla="val 5674812"/>
+                  <a:gd name="adj2" fmla="val 6278870"/>
+                </a:avLst>
+              </a:prstGeom>
+              <a:solidFill>
+                <a:schemeClr val="accent2">
+                  <a:alpha val="34000"/>
+                </a:schemeClr>
+              </a:solidFill>
+              <a:ln>
+                <a:noFill/>
+              </a:ln>
+            </p:spPr>
+            <p:style>
+              <a:lnRef idx="2">
+                <a:schemeClr val="accent2">
+                  <a:shade val="50000"/>
+                </a:schemeClr>
+              </a:lnRef>
+              <a:fillRef idx="1">
+                <a:schemeClr val="accent2"/>
+              </a:fillRef>
+              <a:effectRef idx="0">
+                <a:schemeClr val="accent2"/>
+              </a:effectRef>
+              <a:fontRef idx="minor">
+                <a:schemeClr val="lt1"/>
+              </a:fontRef>
+            </p:style>
+            <p:txBody>
+              <a:bodyPr rot="0" spcFirstLastPara="0" vertOverflow="overflow" horzOverflow="overflow" vert="horz" wrap="square" lIns="91440" tIns="45720" rIns="91440" bIns="45720" numCol="1" spcCol="0" rtlCol="0" fromWordArt="0" anchor="ctr" anchorCtr="0" forceAA="0" compatLnSpc="1">
+                <a:prstTxWarp prst="textNoShape">
+                  <a:avLst/>
+                </a:prstTxWarp>
+                <a:noAutofit/>
+              </a:bodyPr>
+              <a:lstStyle/>
+              <a:p>
+                <a:pPr algn="ctr"/>
+                <a:endParaRPr lang="en-US">
+                  <a:solidFill>
+                    <a:schemeClr val="tx1"/>
+                  </a:solidFill>
+                </a:endParaRPr>
+              </a:p>
+            </p:txBody>
+          </p:sp>
+        </p:grpSp>
+        <p:sp>
+          <p:nvSpPr>
+            <p:cNvPr id="30" name="Pie 29"/>
+            <p:cNvSpPr>
+              <a:spLocks/>
+            </p:cNvSpPr>
+            <p:nvPr/>
+          </p:nvSpPr>
+          <p:spPr>
+            <a:xfrm>
+              <a:off x="1060704" y="-989320"/>
+              <a:ext cx="7022592" cy="7022592"/>
+            </a:xfrm>
+            <a:prstGeom prst="pie">
+              <a:avLst>
+                <a:gd name="adj1" fmla="val 4536024"/>
+                <a:gd name="adj2" fmla="val 5123409"/>
+              </a:avLst>
+            </a:prstGeom>
+            <a:solidFill>
+              <a:schemeClr val="accent2">
+                <a:alpha val="34000"/>
+              </a:schemeClr>
+            </a:solidFill>
+            <a:ln>
+              <a:noFill/>
+            </a:ln>
+          </p:spPr>
+          <p:style>
+            <a:lnRef idx="2">
+              <a:schemeClr val="accent2">
+                <a:shade val="50000"/>
+              </a:schemeClr>
+            </a:lnRef>
+            <a:fillRef idx="1">
+              <a:schemeClr val="accent2"/>
+            </a:fillRef>
+            <a:effectRef idx="0">
+              <a:schemeClr val="accent2"/>
+            </a:effectRef>
+            <a:fontRef idx="minor">
+              <a:schemeClr val="lt1"/>
+            </a:fontRef>
+          </p:style>
+          <p:txBody>
+            <a:bodyPr rot="0" spcFirstLastPara="0" vertOverflow="overflow" horzOverflow="overflow" vert="horz" wrap="square" lIns="91440" tIns="45720" rIns="91440" bIns="45720" numCol="1" spcCol="0" rtlCol="0" fromWordArt="0" anchor="ctr" anchorCtr="0" forceAA="0" compatLnSpc="1">
+              <a:prstTxWarp prst="textNoShape">
+                <a:avLst/>
+              </a:prstTxWarp>
+              <a:noAutofit/>
+            </a:bodyPr>
+            <a:lstStyle/>
+            <a:p>
+              <a:pPr algn="ctr"/>
+              <a:endParaRPr lang="en-US">
+                <a:solidFill>
+                  <a:schemeClr val="tx1"/>
+                </a:solidFill>
+              </a:endParaRPr>
+            </a:p>
+          </p:txBody>
+        </p:sp>
+      </p:grpSp>
+      <p:pic>
+        <p:nvPicPr>
+          <p:cNvPr id="27" name="Picture 26"/>
+          <p:cNvPicPr>
+            <a:picLocks noChangeAspect="1"/>
+          </p:cNvPicPr>
+          <p:nvPr/>
+        </p:nvPicPr>
+        <p:blipFill>
+          <a:blip r:embed="rId4">
+            <a:extLst>
+              <a:ext uri="{28A0092B-C50C-407E-A947-70E740481C1C}">
+                <a14:useLocalDpi xmlns:a14="http://schemas.microsoft.com/office/drawing/2010/main" val="0"/>
+              </a:ext>
+            </a:extLst>
+          </a:blip>
+          <a:stretch>
+            <a:fillRect/>
+          </a:stretch>
+        </p:blipFill>
+        <p:spPr>
+          <a:xfrm>
+            <a:off x="5182357" y="102221"/>
+            <a:ext cx="2500293" cy="3337126"/>
+          </a:xfrm>
+          <a:prstGeom prst="rect">
+            <a:avLst/>
+          </a:prstGeom>
+        </p:spPr>
+      </p:pic>
+      <p:sp>
+        <p:nvSpPr>
+          <p:cNvPr id="29" name="Oval 28"/>
+          <p:cNvSpPr/>
+          <p:nvPr/>
+        </p:nvSpPr>
+        <p:spPr>
+          <a:xfrm>
+            <a:off x="6016005" y="480156"/>
+            <a:ext cx="802144" cy="802144"/>
+          </a:xfrm>
+          <a:prstGeom prst="ellipse">
+            <a:avLst/>
+          </a:prstGeom>
+          <a:noFill/>
+          <a:ln w="25400">
+            <a:solidFill>
+              <a:schemeClr val="accent1"/>
+            </a:solidFill>
+          </a:ln>
+        </p:spPr>
+        <p:style>
+          <a:lnRef idx="2">
+            <a:schemeClr val="accent1">
+              <a:shade val="50000"/>
+            </a:schemeClr>
+          </a:lnRef>
+          <a:fillRef idx="1">
+            <a:schemeClr val="accent1"/>
+          </a:fillRef>
+          <a:effectRef idx="0">
+            <a:schemeClr val="accent1"/>
+          </a:effectRef>
+          <a:fontRef idx="minor">
+            <a:schemeClr val="lt1"/>
+          </a:fontRef>
+        </p:style>
+        <p:txBody>
+          <a:bodyPr rot="0" spcFirstLastPara="0" vertOverflow="overflow" horzOverflow="overflow" vert="horz" wrap="square" lIns="91440" tIns="45720" rIns="91440" bIns="45720" numCol="1" spcCol="0" rtlCol="0" fromWordArt="0" anchor="ctr" anchorCtr="0" forceAA="0" compatLnSpc="1">
+            <a:prstTxWarp prst="textNoShape">
+              <a:avLst/>
+            </a:prstTxWarp>
+            <a:noAutofit/>
+          </a:bodyPr>
+          <a:lstStyle/>
+          <a:p>
+            <a:pPr algn="ctr"/>
+            <a:endParaRPr lang="en-US"/>
+          </a:p>
+        </p:txBody>
+      </p:sp>
+      <p:sp>
+        <p:nvSpPr>
+          <p:cNvPr id="32" name="Oval 31"/>
+          <p:cNvSpPr/>
+          <p:nvPr/>
+        </p:nvSpPr>
+        <p:spPr>
+          <a:xfrm>
+            <a:off x="5706999" y="1698799"/>
+            <a:ext cx="1451006" cy="533478"/>
+          </a:xfrm>
+          <a:prstGeom prst="ellipse">
+            <a:avLst/>
+          </a:prstGeom>
+          <a:noFill/>
+          <a:ln w="25400"/>
+        </p:spPr>
+        <p:style>
+          <a:lnRef idx="2">
+            <a:schemeClr val="accent6"/>
+          </a:lnRef>
+          <a:fillRef idx="1">
+            <a:schemeClr val="lt1"/>
+          </a:fillRef>
+          <a:effectRef idx="0">
+            <a:schemeClr val="accent6"/>
+          </a:effectRef>
+          <a:fontRef idx="minor">
+            <a:schemeClr val="dk1"/>
+          </a:fontRef>
+        </p:style>
+        <p:txBody>
+          <a:bodyPr rot="0" spcFirstLastPara="0" vertOverflow="overflow" horzOverflow="overflow" vert="horz" wrap="square" lIns="91440" tIns="45720" rIns="91440" bIns="45720" numCol="1" spcCol="0" rtlCol="0" fromWordArt="0" anchor="ctr" anchorCtr="0" forceAA="0" compatLnSpc="1">
+            <a:prstTxWarp prst="textNoShape">
+              <a:avLst/>
+            </a:prstTxWarp>
+            <a:noAutofit/>
+          </a:bodyPr>
+          <a:lstStyle/>
+          <a:p>
+            <a:pPr algn="ctr"/>
+            <a:endParaRPr lang="en-US"/>
+          </a:p>
+        </p:txBody>
+      </p:sp>
+      <p:sp>
+        <p:nvSpPr>
+          <p:cNvPr id="33" name="Oval 32"/>
+          <p:cNvSpPr/>
+          <p:nvPr/>
+        </p:nvSpPr>
+        <p:spPr>
+          <a:xfrm>
+            <a:off x="5691572" y="2382037"/>
+            <a:ext cx="1451006" cy="533478"/>
+          </a:xfrm>
+          <a:prstGeom prst="ellipse">
+            <a:avLst/>
+          </a:prstGeom>
+          <a:noFill/>
+          <a:ln w="25400"/>
+        </p:spPr>
+        <p:style>
+          <a:lnRef idx="2">
+            <a:schemeClr val="accent2"/>
+          </a:lnRef>
+          <a:fillRef idx="1">
+            <a:schemeClr val="lt1"/>
+          </a:fillRef>
+          <a:effectRef idx="0">
+            <a:schemeClr val="accent2"/>
+          </a:effectRef>
+          <a:fontRef idx="minor">
+            <a:schemeClr val="dk1"/>
+          </a:fontRef>
+        </p:style>
+        <p:txBody>
+          <a:bodyPr rot="0" spcFirstLastPara="0" vertOverflow="overflow" horzOverflow="overflow" vert="horz" wrap="square" lIns="91440" tIns="45720" rIns="91440" bIns="45720" numCol="1" spcCol="0" rtlCol="0" fromWordArt="0" anchor="ctr" anchorCtr="0" forceAA="0" compatLnSpc="1">
+            <a:prstTxWarp prst="textNoShape">
+              <a:avLst/>
+            </a:prstTxWarp>
+            <a:noAutofit/>
+          </a:bodyPr>
+          <a:lstStyle/>
+          <a:p>
+            <a:pPr algn="ctr"/>
+            <a:endParaRPr lang="en-US"/>
+          </a:p>
+        </p:txBody>
+      </p:sp>
+      <p:sp>
+        <p:nvSpPr>
+          <p:cNvPr id="34" name="TextBox 33"/>
+          <p:cNvSpPr txBox="1"/>
+          <p:nvPr/>
+        </p:nvSpPr>
+        <p:spPr>
+          <a:xfrm>
+            <a:off x="7899140" y="731718"/>
+            <a:ext cx="730849" cy="293288"/>
+          </a:xfrm>
+          <a:prstGeom prst="rect">
+            <a:avLst/>
+          </a:prstGeom>
+          <a:ln w="25400"/>
+        </p:spPr>
+        <p:style>
+          <a:lnRef idx="2">
+            <a:schemeClr val="accent5"/>
+          </a:lnRef>
+          <a:fillRef idx="1">
+            <a:schemeClr val="lt1"/>
+          </a:fillRef>
+          <a:effectRef idx="0">
+            <a:schemeClr val="accent5"/>
+          </a:effectRef>
+          <a:fontRef idx="minor">
+            <a:schemeClr val="dk1"/>
+          </a:fontRef>
+        </p:style>
+        <p:txBody>
+          <a:bodyPr wrap="square" rtlCol="0">
+            <a:spAutoFit/>
+          </a:bodyPr>
+          <a:lstStyle/>
+          <a:p>
+            <a:pPr algn="ctr"/>
+            <a:r>
+              <a:rPr lang="en-US" dirty="0" err="1"/>
+              <a:t>Lidar</a:t>
+            </a:r>
+            <a:endParaRPr lang="en-US" dirty="0"/>
+          </a:p>
+        </p:txBody>
+      </p:sp>
+      <p:sp>
+        <p:nvSpPr>
+          <p:cNvPr id="35" name="TextBox 34"/>
+          <p:cNvSpPr txBox="1"/>
+          <p:nvPr/>
+        </p:nvSpPr>
+        <p:spPr>
+          <a:xfrm>
+            <a:off x="7909548" y="1729447"/>
+            <a:ext cx="711896" cy="472181"/>
+          </a:xfrm>
+          <a:prstGeom prst="rect">
+            <a:avLst/>
+          </a:prstGeom>
+          <a:noFill/>
+          <a:ln w="25400"/>
+        </p:spPr>
+        <p:style>
+          <a:lnRef idx="2">
+            <a:schemeClr val="accent6"/>
+          </a:lnRef>
+          <a:fillRef idx="1">
+            <a:schemeClr val="lt1"/>
+          </a:fillRef>
+          <a:effectRef idx="0">
+            <a:schemeClr val="accent6"/>
+          </a:effectRef>
+          <a:fontRef idx="minor">
+            <a:schemeClr val="dk1"/>
+          </a:fontRef>
+        </p:style>
+        <p:txBody>
+          <a:bodyPr wrap="square" rtlCol="0">
+            <a:spAutoFit/>
+          </a:bodyPr>
+          <a:lstStyle/>
+          <a:p>
+            <a:pPr algn="ctr"/>
+            <a:r>
+              <a:rPr lang="en-US" dirty="0"/>
+              <a:t>DRGB camera</a:t>
+            </a:r>
+          </a:p>
+        </p:txBody>
+      </p:sp>
+      <p:sp>
+        <p:nvSpPr>
+          <p:cNvPr id="36" name="TextBox 35"/>
+          <p:cNvSpPr txBox="1"/>
+          <p:nvPr/>
+        </p:nvSpPr>
+        <p:spPr>
+          <a:xfrm>
+            <a:off x="7918093" y="2480455"/>
+            <a:ext cx="711896" cy="282257"/>
+          </a:xfrm>
+          <a:prstGeom prst="rect">
+            <a:avLst/>
+          </a:prstGeom>
+          <a:noFill/>
+          <a:ln w="25400"/>
+        </p:spPr>
+        <p:style>
+          <a:lnRef idx="2">
+            <a:schemeClr val="accent2"/>
+          </a:lnRef>
+          <a:fillRef idx="1">
+            <a:schemeClr val="lt1"/>
+          </a:fillRef>
+          <a:effectRef idx="0">
+            <a:schemeClr val="accent2"/>
+          </a:effectRef>
+          <a:fontRef idx="minor">
+            <a:schemeClr val="dk1"/>
+          </a:fontRef>
+        </p:style>
+        <p:txBody>
+          <a:bodyPr wrap="square" rtlCol="0">
+            <a:spAutoFit/>
+          </a:bodyPr>
+          <a:lstStyle/>
+          <a:p>
+            <a:pPr algn="ctr"/>
+            <a:r>
+              <a:rPr lang="en-US" dirty="0"/>
+              <a:t>Sonar</a:t>
+            </a:r>
+          </a:p>
+        </p:txBody>
+      </p:sp>
+      <p:cxnSp>
+        <p:nvCxnSpPr>
+          <p:cNvPr id="37" name="Straight Arrow Connector 36"/>
+          <p:cNvCxnSpPr>
+            <a:stCxn id="32" idx="6"/>
+            <a:endCxn id="35" idx="1"/>
+          </p:cNvCxnSpPr>
+          <p:nvPr/>
+        </p:nvCxnSpPr>
+        <p:spPr>
+          <a:xfrm>
+            <a:off x="7158005" y="1965538"/>
+            <a:ext cx="751543" cy="0"/>
+          </a:xfrm>
+          <a:prstGeom prst="straightConnector1">
+            <a:avLst/>
+          </a:prstGeom>
+          <a:ln w="25400">
+            <a:solidFill>
+              <a:schemeClr val="accent6"/>
+            </a:solidFill>
+            <a:tailEnd type="triangle"/>
+          </a:ln>
+        </p:spPr>
+        <p:style>
+          <a:lnRef idx="1">
+            <a:schemeClr val="accent1"/>
+          </a:lnRef>
+          <a:fillRef idx="0">
+            <a:schemeClr val="accent1"/>
+          </a:fillRef>
+          <a:effectRef idx="0">
+            <a:schemeClr val="accent1"/>
+          </a:effectRef>
+          <a:fontRef idx="minor">
+            <a:schemeClr val="tx1"/>
+          </a:fontRef>
+        </p:style>
+      </p:cxnSp>
+      <p:cxnSp>
+        <p:nvCxnSpPr>
+          <p:cNvPr id="39" name="Straight Arrow Connector 38"/>
+          <p:cNvCxnSpPr>
+            <a:endCxn id="36" idx="1"/>
+          </p:cNvCxnSpPr>
+          <p:nvPr/>
+        </p:nvCxnSpPr>
+        <p:spPr>
+          <a:xfrm>
+            <a:off x="7152572" y="2621584"/>
+            <a:ext cx="765521" cy="0"/>
+          </a:xfrm>
+          <a:prstGeom prst="straightConnector1">
+            <a:avLst/>
+          </a:prstGeom>
+          <a:ln w="25400">
+            <a:tailEnd type="triangle"/>
+          </a:ln>
+        </p:spPr>
+        <p:style>
+          <a:lnRef idx="2">
+            <a:schemeClr val="accent2"/>
+          </a:lnRef>
+          <a:fillRef idx="1">
+            <a:schemeClr val="lt1"/>
+          </a:fillRef>
+          <a:effectRef idx="0">
+            <a:schemeClr val="accent2"/>
+          </a:effectRef>
+          <a:fontRef idx="minor">
+            <a:schemeClr val="dk1"/>
+          </a:fontRef>
+        </p:style>
+      </p:cxnSp>
+      <p:grpSp>
+        <p:nvGrpSpPr>
+          <p:cNvPr id="40" name="Group 39"/>
+          <p:cNvGrpSpPr/>
+          <p:nvPr/>
+        </p:nvGrpSpPr>
+        <p:grpSpPr>
+          <a:xfrm>
+            <a:off x="5553531" y="3908202"/>
+            <a:ext cx="1956148" cy="1956148"/>
+            <a:chOff x="1254188" y="4048932"/>
+            <a:chExt cx="2127611" cy="2127611"/>
+          </a:xfrm>
+        </p:grpSpPr>
+        <p:grpSp>
+          <p:nvGrpSpPr>
+            <p:cNvPr id="46" name="Group 45"/>
+            <p:cNvGrpSpPr/>
+            <p:nvPr/>
+          </p:nvGrpSpPr>
+          <p:grpSpPr>
+            <a:xfrm>
+              <a:off x="1254188" y="4048932"/>
+              <a:ext cx="2127611" cy="2127611"/>
+              <a:chOff x="1006554" y="3942267"/>
+              <a:chExt cx="2127611" cy="2127611"/>
+            </a:xfrm>
+          </p:grpSpPr>
+          <p:sp>
+            <p:nvSpPr>
+              <p:cNvPr id="50" name="Snip Diagonal Corner Rectangle 49"/>
+              <p:cNvSpPr/>
+              <p:nvPr/>
+            </p:nvSpPr>
+            <p:spPr>
+              <a:xfrm>
+                <a:off x="1045398" y="4635827"/>
+                <a:ext cx="1479696" cy="740493"/>
+              </a:xfrm>
+              <a:prstGeom prst="snip2DiagRect">
+                <a:avLst>
+                  <a:gd name="adj1" fmla="val 35484"/>
+                  <a:gd name="adj2" fmla="val 37419"/>
+                </a:avLst>
+              </a:prstGeom>
+              <a:solidFill>
+                <a:srgbClr val="8E1001"/>
+              </a:solidFill>
+              <a:ln>
+                <a:noFill/>
+              </a:ln>
+            </p:spPr>
+            <p:style>
+              <a:lnRef idx="2">
+                <a:schemeClr val="accent1">
+                  <a:shade val="50000"/>
+                </a:schemeClr>
+              </a:lnRef>
+              <a:fillRef idx="1">
+                <a:schemeClr val="accent1"/>
+              </a:fillRef>
+              <a:effectRef idx="0">
+                <a:schemeClr val="accent1"/>
+              </a:effectRef>
+              <a:fontRef idx="minor">
+                <a:schemeClr val="lt1"/>
+              </a:fontRef>
+            </p:style>
+            <p:txBody>
+              <a:bodyPr rot="0" spcFirstLastPara="0" vertOverflow="overflow" horzOverflow="overflow" vert="horz" wrap="square" lIns="91440" tIns="45720" rIns="91440" bIns="45720" numCol="1" spcCol="0" rtlCol="0" fromWordArt="0" anchor="ctr" anchorCtr="0" forceAA="0" compatLnSpc="1">
+                <a:prstTxWarp prst="textNoShape">
+                  <a:avLst/>
+                </a:prstTxWarp>
+                <a:noAutofit/>
+              </a:bodyPr>
+              <a:lstStyle/>
+              <a:p>
+                <a:pPr algn="ctr"/>
+                <a:endParaRPr lang="en-US"/>
+              </a:p>
+            </p:txBody>
+          </p:sp>
+          <p:sp>
+            <p:nvSpPr>
+              <p:cNvPr id="51" name="Pie 50"/>
+              <p:cNvSpPr/>
+              <p:nvPr/>
+            </p:nvSpPr>
+            <p:spPr>
+              <a:xfrm rot="13386344">
+                <a:off x="1006554" y="3942267"/>
+                <a:ext cx="2127611" cy="2127611"/>
+              </a:xfrm>
+              <a:prstGeom prst="pie">
+                <a:avLst/>
+              </a:prstGeom>
+              <a:solidFill>
+                <a:schemeClr val="accent1">
+                  <a:alpha val="61000"/>
+                </a:schemeClr>
+              </a:solidFill>
+              <a:ln>
+                <a:noFill/>
+              </a:ln>
+            </p:spPr>
+            <p:style>
+              <a:lnRef idx="2">
+                <a:schemeClr val="accent1">
+                  <a:shade val="50000"/>
+                </a:schemeClr>
+              </a:lnRef>
+              <a:fillRef idx="1">
+                <a:schemeClr val="accent1"/>
+              </a:fillRef>
+              <a:effectRef idx="0">
+                <a:schemeClr val="accent1"/>
+              </a:effectRef>
+              <a:fontRef idx="minor">
+                <a:schemeClr val="lt1"/>
+              </a:fontRef>
+            </p:style>
+            <p:txBody>
+              <a:bodyPr rot="0" spcFirstLastPara="0" vertOverflow="overflow" horzOverflow="overflow" vert="horz" wrap="square" lIns="91440" tIns="45720" rIns="91440" bIns="45720" numCol="1" spcCol="0" rtlCol="0" fromWordArt="0" anchor="ctr" anchorCtr="0" forceAA="0" compatLnSpc="1">
+                <a:prstTxWarp prst="textNoShape">
+                  <a:avLst/>
+                </a:prstTxWarp>
+                <a:noAutofit/>
+              </a:bodyPr>
+              <a:lstStyle/>
+              <a:p>
+                <a:pPr algn="ctr"/>
+                <a:endParaRPr lang="en-US">
+                  <a:solidFill>
+                    <a:schemeClr val="tx1"/>
+                  </a:solidFill>
+                </a:endParaRPr>
+              </a:p>
+            </p:txBody>
+          </p:sp>
+          <p:sp>
+            <p:nvSpPr>
+              <p:cNvPr id="53" name="Rectangle 52"/>
+              <p:cNvSpPr/>
+              <p:nvPr/>
+            </p:nvSpPr>
+            <p:spPr>
+              <a:xfrm>
+                <a:off x="1456658" y="4557858"/>
+                <a:ext cx="657176" cy="77969"/>
+              </a:xfrm>
+              <a:prstGeom prst="rect">
+                <a:avLst/>
+              </a:prstGeom>
+              <a:solidFill>
+                <a:schemeClr val="tx1">
+                  <a:lumMod val="65000"/>
+                  <a:lumOff val="35000"/>
+                </a:schemeClr>
+              </a:solidFill>
+            </p:spPr>
+            <p:style>
+              <a:lnRef idx="2">
+                <a:schemeClr val="accent1">
+                  <a:shade val="50000"/>
+                </a:schemeClr>
+              </a:lnRef>
+              <a:fillRef idx="1">
+                <a:schemeClr val="accent1"/>
+              </a:fillRef>
+              <a:effectRef idx="0">
+                <a:schemeClr val="accent1"/>
+              </a:effectRef>
+              <a:fontRef idx="minor">
+                <a:schemeClr val="lt1"/>
+              </a:fontRef>
+            </p:style>
+            <p:txBody>
+              <a:bodyPr rot="0" spcFirstLastPara="0" vertOverflow="overflow" horzOverflow="overflow" vert="horz" wrap="square" lIns="91440" tIns="45720" rIns="91440" bIns="45720" numCol="1" spcCol="0" rtlCol="0" fromWordArt="0" anchor="ctr" anchorCtr="0" forceAA="0" compatLnSpc="1">
+                <a:prstTxWarp prst="textNoShape">
+                  <a:avLst/>
+                </a:prstTxWarp>
+                <a:noAutofit/>
+              </a:bodyPr>
+              <a:lstStyle/>
+              <a:p>
+                <a:pPr algn="ctr"/>
+                <a:endParaRPr lang="en-US"/>
+              </a:p>
+            </p:txBody>
+          </p:sp>
+          <p:sp>
+            <p:nvSpPr>
+              <p:cNvPr id="54" name="Rectangle 53"/>
+              <p:cNvSpPr/>
+              <p:nvPr/>
+            </p:nvSpPr>
+            <p:spPr>
+              <a:xfrm>
+                <a:off x="1456658" y="5384264"/>
+                <a:ext cx="657176" cy="77969"/>
+              </a:xfrm>
+              <a:prstGeom prst="rect">
+                <a:avLst/>
+              </a:prstGeom>
+              <a:solidFill>
+                <a:schemeClr val="tx1">
+                  <a:lumMod val="65000"/>
+                  <a:lumOff val="35000"/>
+                </a:schemeClr>
+              </a:solidFill>
+            </p:spPr>
+            <p:style>
+              <a:lnRef idx="2">
+                <a:schemeClr val="accent1">
+                  <a:shade val="50000"/>
+                </a:schemeClr>
+              </a:lnRef>
+              <a:fillRef idx="1">
+                <a:schemeClr val="accent1"/>
+              </a:fillRef>
+              <a:effectRef idx="0">
+                <a:schemeClr val="accent1"/>
+              </a:effectRef>
+              <a:fontRef idx="minor">
+                <a:schemeClr val="lt1"/>
+              </a:fontRef>
+            </p:style>
+            <p:txBody>
+              <a:bodyPr rot="0" spcFirstLastPara="0" vertOverflow="overflow" horzOverflow="overflow" vert="horz" wrap="square" lIns="91440" tIns="45720" rIns="91440" bIns="45720" numCol="1" spcCol="0" rtlCol="0" fromWordArt="0" anchor="ctr" anchorCtr="0" forceAA="0" compatLnSpc="1">
+                <a:prstTxWarp prst="textNoShape">
+                  <a:avLst/>
+                </a:prstTxWarp>
+                <a:noAutofit/>
+              </a:bodyPr>
+              <a:lstStyle/>
+              <a:p>
+                <a:pPr algn="ctr"/>
+                <a:endParaRPr lang="en-US"/>
+              </a:p>
+            </p:txBody>
+          </p:sp>
+          <p:sp>
+            <p:nvSpPr>
+              <p:cNvPr id="56" name="Pie 29"/>
+              <p:cNvSpPr/>
+              <p:nvPr/>
+            </p:nvSpPr>
+            <p:spPr>
+              <a:xfrm rot="13386344">
+                <a:off x="2339894" y="4626067"/>
+                <a:ext cx="720631" cy="740520"/>
+              </a:xfrm>
+              <a:custGeom>
+                <a:avLst/>
+                <a:gdLst>
+                  <a:gd name="connsiteX0" fmla="*/ 800957 w 1029257"/>
+                  <a:gd name="connsiteY0" fmla="*/ 919880 h 1004823"/>
+                  <a:gd name="connsiteX1" fmla="*/ 187135 w 1029257"/>
+                  <a:gd name="connsiteY1" fmla="*/ 889965 h 1004823"/>
+                  <a:gd name="connsiteX2" fmla="*/ 49635 w 1029257"/>
+                  <a:gd name="connsiteY2" fmla="*/ 287137 h 1004823"/>
+                  <a:gd name="connsiteX3" fmla="*/ 514629 w 1029257"/>
+                  <a:gd name="connsiteY3" fmla="*/ 502412 h 1004823"/>
+                  <a:gd name="connsiteX4" fmla="*/ 800957 w 1029257"/>
+                  <a:gd name="connsiteY4" fmla="*/ 919880 h 1004823"/>
+                  <a:gd name="connsiteX0" fmla="*/ 797338 w 797338"/>
+                  <a:gd name="connsiteY0" fmla="*/ 632743 h 721541"/>
+                  <a:gd name="connsiteX1" fmla="*/ 183516 w 797338"/>
+                  <a:gd name="connsiteY1" fmla="*/ 602828 h 721541"/>
+                  <a:gd name="connsiteX2" fmla="*/ 46016 w 797338"/>
+                  <a:gd name="connsiteY2" fmla="*/ 0 h 721541"/>
+                  <a:gd name="connsiteX3" fmla="*/ 511010 w 797338"/>
+                  <a:gd name="connsiteY3" fmla="*/ 215275 h 721541"/>
+                  <a:gd name="connsiteX4" fmla="*/ 797338 w 797338"/>
+                  <a:gd name="connsiteY4" fmla="*/ 632743 h 721541"/>
+                  <a:gd name="connsiteX0" fmla="*/ 715280 w 715280"/>
+                  <a:gd name="connsiteY0" fmla="*/ 689677 h 747589"/>
+                  <a:gd name="connsiteX1" fmla="*/ 174563 w 715280"/>
+                  <a:gd name="connsiteY1" fmla="*/ 602828 h 747589"/>
+                  <a:gd name="connsiteX2" fmla="*/ 37063 w 715280"/>
+                  <a:gd name="connsiteY2" fmla="*/ 0 h 747589"/>
+                  <a:gd name="connsiteX3" fmla="*/ 502057 w 715280"/>
+                  <a:gd name="connsiteY3" fmla="*/ 215275 h 747589"/>
+                  <a:gd name="connsiteX4" fmla="*/ 715280 w 715280"/>
+                  <a:gd name="connsiteY4" fmla="*/ 689677 h 747589"/>
+                  <a:gd name="connsiteX0" fmla="*/ 720631 w 720631"/>
+                  <a:gd name="connsiteY0" fmla="*/ 689677 h 740520"/>
+                  <a:gd name="connsiteX1" fmla="*/ 151251 w 720631"/>
+                  <a:gd name="connsiteY1" fmla="*/ 572205 h 740520"/>
+                  <a:gd name="connsiteX2" fmla="*/ 42414 w 720631"/>
+                  <a:gd name="connsiteY2" fmla="*/ 0 h 740520"/>
+                  <a:gd name="connsiteX3" fmla="*/ 507408 w 720631"/>
+                  <a:gd name="connsiteY3" fmla="*/ 215275 h 740520"/>
+                  <a:gd name="connsiteX4" fmla="*/ 720631 w 720631"/>
+                  <a:gd name="connsiteY4" fmla="*/ 689677 h 740520"/>
+                </a:gdLst>
+                <a:ahLst/>
+                <a:cxnLst>
+                  <a:cxn ang="0">
+                    <a:pos x="connsiteX0" y="connsiteY0"/>
+                  </a:cxn>
+                  <a:cxn ang="0">
+                    <a:pos x="connsiteX1" y="connsiteY1"/>
+                  </a:cxn>
+                  <a:cxn ang="0">
+                    <a:pos x="connsiteX2" y="connsiteY2"/>
+                  </a:cxn>
+                  <a:cxn ang="0">
+                    <a:pos x="connsiteX3" y="connsiteY3"/>
+                  </a:cxn>
+                  <a:cxn ang="0">
+                    <a:pos x="connsiteX4" y="connsiteY4"/>
+                  </a:cxn>
+                </a:cxnLst>
+                <a:rect l="l" t="t" r="r" b="b"/>
+                <a:pathLst>
+                  <a:path w="720631" h="740520">
+                    <a:moveTo>
+                      <a:pt x="720631" y="689677"/>
+                    </a:moveTo>
+                    <a:cubicBezTo>
+                      <a:pt x="531717" y="813168"/>
+                      <a:pt x="264287" y="687151"/>
+                      <a:pt x="151251" y="572205"/>
+                    </a:cubicBezTo>
+                    <a:cubicBezTo>
+                      <a:pt x="38215" y="457259"/>
+                      <a:pt x="-58607" y="207968"/>
+                      <a:pt x="42414" y="0"/>
+                    </a:cubicBezTo>
+                    <a:lnTo>
+                      <a:pt x="507408" y="215275"/>
+                    </a:lnTo>
+                    <a:lnTo>
+                      <a:pt x="720631" y="689677"/>
+                    </a:lnTo>
+                    <a:close/>
+                  </a:path>
+                </a:pathLst>
+              </a:custGeom>
+              <a:solidFill>
+                <a:schemeClr val="accent2">
+                  <a:alpha val="61000"/>
+                </a:schemeClr>
+              </a:solidFill>
+              <a:ln>
+                <a:noFill/>
+              </a:ln>
+            </p:spPr>
+            <p:style>
+              <a:lnRef idx="2">
+                <a:schemeClr val="accent1">
+                  <a:shade val="50000"/>
+                </a:schemeClr>
+              </a:lnRef>
+              <a:fillRef idx="1">
+                <a:schemeClr val="accent1"/>
+              </a:fillRef>
+              <a:effectRef idx="0">
+                <a:schemeClr val="accent1"/>
+              </a:effectRef>
+              <a:fontRef idx="minor">
+                <a:schemeClr val="lt1"/>
+              </a:fontRef>
+            </p:style>
+            <p:txBody>
+              <a:bodyPr rot="0" spcFirstLastPara="0" vertOverflow="overflow" horzOverflow="overflow" vert="horz" wrap="square" lIns="91440" tIns="45720" rIns="91440" bIns="45720" numCol="1" spcCol="0" rtlCol="0" fromWordArt="0" anchor="ctr" anchorCtr="0" forceAA="0" compatLnSpc="1">
+                <a:prstTxWarp prst="textNoShape">
+                  <a:avLst/>
+                </a:prstTxWarp>
+                <a:noAutofit/>
+              </a:bodyPr>
+              <a:lstStyle/>
+              <a:p>
+                <a:pPr algn="ctr"/>
+                <a:endParaRPr lang="en-US">
+                  <a:solidFill>
+                    <a:schemeClr val="tx1"/>
+                  </a:solidFill>
+                </a:endParaRPr>
+              </a:p>
+            </p:txBody>
+          </p:sp>
+        </p:grpSp>
+        <p:sp>
+          <p:nvSpPr>
+            <p:cNvPr id="49" name="Pie 35"/>
+            <p:cNvSpPr/>
+            <p:nvPr/>
+          </p:nvSpPr>
+          <p:spPr>
+            <a:xfrm rot="13386344">
+              <a:off x="2700402" y="4818775"/>
+              <a:ext cx="575067" cy="566961"/>
+            </a:xfrm>
+            <a:custGeom>
+              <a:avLst/>
+              <a:gdLst>
+                <a:gd name="connsiteX0" fmla="*/ 414871 w 1169502"/>
+                <a:gd name="connsiteY0" fmla="*/ 1123170 h 1147925"/>
+                <a:gd name="connsiteX1" fmla="*/ 20636 w 1169502"/>
+                <a:gd name="connsiteY1" fmla="*/ 725096 h 1147925"/>
+                <a:gd name="connsiteX2" fmla="*/ 584751 w 1169502"/>
+                <a:gd name="connsiteY2" fmla="*/ 573963 h 1147925"/>
+                <a:gd name="connsiteX3" fmla="*/ 414871 w 1169502"/>
+                <a:gd name="connsiteY3" fmla="*/ 1123170 h 1147925"/>
+                <a:gd name="connsiteX0" fmla="*/ 412974 w 582854"/>
+                <a:gd name="connsiteY0" fmla="*/ 549207 h 562466"/>
+                <a:gd name="connsiteX1" fmla="*/ 160171 w 582854"/>
+                <a:gd name="connsiteY1" fmla="*/ 372511 h 562466"/>
+                <a:gd name="connsiteX2" fmla="*/ 18739 w 582854"/>
+                <a:gd name="connsiteY2" fmla="*/ 151133 h 562466"/>
+                <a:gd name="connsiteX3" fmla="*/ 582854 w 582854"/>
+                <a:gd name="connsiteY3" fmla="*/ 0 h 562466"/>
+                <a:gd name="connsiteX4" fmla="*/ 412974 w 582854"/>
+                <a:gd name="connsiteY4" fmla="*/ 549207 h 562466"/>
+                <a:gd name="connsiteX0" fmla="*/ 422994 w 592874"/>
+                <a:gd name="connsiteY0" fmla="*/ 549207 h 566961"/>
+                <a:gd name="connsiteX1" fmla="*/ 97087 w 592874"/>
+                <a:gd name="connsiteY1" fmla="*/ 429445 h 566961"/>
+                <a:gd name="connsiteX2" fmla="*/ 28759 w 592874"/>
+                <a:gd name="connsiteY2" fmla="*/ 151133 h 566961"/>
+                <a:gd name="connsiteX3" fmla="*/ 592874 w 592874"/>
+                <a:gd name="connsiteY3" fmla="*/ 0 h 566961"/>
+                <a:gd name="connsiteX4" fmla="*/ 422994 w 592874"/>
+                <a:gd name="connsiteY4" fmla="*/ 549207 h 566961"/>
+                <a:gd name="connsiteX0" fmla="*/ 405187 w 575067"/>
+                <a:gd name="connsiteY0" fmla="*/ 549207 h 566961"/>
+                <a:gd name="connsiteX1" fmla="*/ 79280 w 575067"/>
+                <a:gd name="connsiteY1" fmla="*/ 429445 h 566961"/>
+                <a:gd name="connsiteX2" fmla="*/ 34275 w 575067"/>
+                <a:gd name="connsiteY2" fmla="*/ 163774 h 566961"/>
+                <a:gd name="connsiteX3" fmla="*/ 575067 w 575067"/>
+                <a:gd name="connsiteY3" fmla="*/ 0 h 566961"/>
+                <a:gd name="connsiteX4" fmla="*/ 405187 w 575067"/>
+                <a:gd name="connsiteY4" fmla="*/ 549207 h 566961"/>
+              </a:gdLst>
+              <a:ahLst/>
+              <a:cxnLst>
+                <a:cxn ang="0">
+                  <a:pos x="connsiteX0" y="connsiteY0"/>
+                </a:cxn>
+                <a:cxn ang="0">
+                  <a:pos x="connsiteX1" y="connsiteY1"/>
+                </a:cxn>
+                <a:cxn ang="0">
+                  <a:pos x="connsiteX2" y="connsiteY2"/>
+                </a:cxn>
+                <a:cxn ang="0">
+                  <a:pos x="connsiteX3" y="connsiteY3"/>
+                </a:cxn>
+                <a:cxn ang="0">
+                  <a:pos x="connsiteX4" y="connsiteY4"/>
+                </a:cxn>
+              </a:cxnLst>
+              <a:rect l="l" t="t" r="r" b="b"/>
+              <a:pathLst>
+                <a:path w="575067" h="566961">
+                  <a:moveTo>
+                    <a:pt x="405187" y="549207"/>
+                  </a:moveTo>
+                  <a:cubicBezTo>
+                    <a:pt x="334740" y="611292"/>
+                    <a:pt x="144986" y="495791"/>
+                    <a:pt x="79280" y="429445"/>
+                  </a:cubicBezTo>
+                  <a:cubicBezTo>
+                    <a:pt x="13574" y="363099"/>
+                    <a:pt x="-36172" y="225859"/>
+                    <a:pt x="34275" y="163774"/>
+                  </a:cubicBezTo>
+                  <a:lnTo>
+                    <a:pt x="575067" y="0"/>
+                  </a:lnTo>
+                  <a:lnTo>
+                    <a:pt x="405187" y="549207"/>
+                  </a:lnTo>
+                  <a:close/>
+                </a:path>
+              </a:pathLst>
+            </a:custGeom>
+            <a:solidFill>
+              <a:srgbClr val="92D050">
+                <a:alpha val="61000"/>
+              </a:srgbClr>
+            </a:solidFill>
+            <a:ln>
+              <a:noFill/>
+            </a:ln>
+          </p:spPr>
+          <p:style>
+            <a:lnRef idx="2">
+              <a:schemeClr val="accent1">
+                <a:shade val="50000"/>
+              </a:schemeClr>
+            </a:lnRef>
+            <a:fillRef idx="1">
+              <a:schemeClr val="accent1"/>
+            </a:fillRef>
+            <a:effectRef idx="0">
+              <a:schemeClr val="accent1"/>
+            </a:effectRef>
+            <a:fontRef idx="minor">
+              <a:schemeClr val="lt1"/>
+            </a:fontRef>
+          </p:style>
+          <p:txBody>
+            <a:bodyPr rot="0" spcFirstLastPara="0" vertOverflow="overflow" horzOverflow="overflow" vert="horz" wrap="square" lIns="91440" tIns="45720" rIns="91440" bIns="45720" numCol="1" spcCol="0" rtlCol="0" fromWordArt="0" anchor="ctr" anchorCtr="0" forceAA="0" compatLnSpc="1">
+              <a:prstTxWarp prst="textNoShape">
+                <a:avLst/>
+              </a:prstTxWarp>
+              <a:noAutofit/>
+            </a:bodyPr>
+            <a:lstStyle/>
+            <a:p>
+              <a:pPr algn="ctr"/>
+              <a:endParaRPr lang="en-US">
+                <a:solidFill>
+                  <a:schemeClr val="tx1"/>
+                </a:solidFill>
+              </a:endParaRPr>
+            </a:p>
+          </p:txBody>
+        </p:sp>
+      </p:grpSp>
+      <p:cxnSp>
+        <p:nvCxnSpPr>
+          <p:cNvPr id="44" name="Elbow Connector 43"/>
+          <p:cNvCxnSpPr>
+            <a:stCxn id="32" idx="6"/>
+            <a:endCxn id="49" idx="1"/>
+          </p:cNvCxnSpPr>
+          <p:nvPr/>
+        </p:nvCxnSpPr>
+        <p:spPr>
+          <a:xfrm>
+            <a:off x="7158005" y="1965538"/>
+            <a:ext cx="221049" cy="2943962"/>
+          </a:xfrm>
+          <a:prstGeom prst="bentConnector5">
+            <a:avLst>
+              <a:gd name="adj1" fmla="val 103416"/>
+              <a:gd name="adj2" fmla="val 41290"/>
+              <a:gd name="adj3" fmla="val 342177"/>
+            </a:avLst>
+          </a:prstGeom>
+          <a:ln w="25400">
+            <a:tailEnd type="triangle"/>
+          </a:ln>
+        </p:spPr>
+        <p:style>
+          <a:lnRef idx="1">
+            <a:schemeClr val="accent6"/>
+          </a:lnRef>
+          <a:fillRef idx="0">
+            <a:schemeClr val="accent6"/>
+          </a:fillRef>
+          <a:effectRef idx="0">
+            <a:schemeClr val="accent6"/>
+          </a:effectRef>
+          <a:fontRef idx="minor">
+            <a:schemeClr val="tx1"/>
+          </a:fontRef>
+        </p:style>
+      </p:cxnSp>
+      <p:cxnSp>
+        <p:nvCxnSpPr>
+          <p:cNvPr id="45" name="Elbow Connector 44"/>
+          <p:cNvCxnSpPr/>
+          <p:nvPr/>
+        </p:nvCxnSpPr>
+        <p:spPr>
+          <a:xfrm rot="16200000" flipH="1">
+            <a:off x="5977361" y="3323089"/>
+            <a:ext cx="1499728" cy="684579"/>
+          </a:xfrm>
+          <a:prstGeom prst="bentConnector3">
+            <a:avLst>
+              <a:gd name="adj1" fmla="val 50000"/>
+            </a:avLst>
+          </a:prstGeom>
+          <a:ln w="25400">
+            <a:tailEnd type="triangle"/>
+          </a:ln>
+        </p:spPr>
+        <p:style>
+          <a:lnRef idx="1">
+            <a:schemeClr val="accent2"/>
+          </a:lnRef>
+          <a:fillRef idx="0">
+            <a:schemeClr val="accent2"/>
+          </a:fillRef>
+          <a:effectRef idx="0">
+            <a:schemeClr val="accent2"/>
+          </a:effectRef>
+          <a:fontRef idx="minor">
+            <a:schemeClr val="tx1"/>
+          </a:fontRef>
+        </p:style>
+      </p:cxnSp>
+      <p:cxnSp>
+        <p:nvCxnSpPr>
+          <p:cNvPr id="41" name="Elbow Connector 40"/>
+          <p:cNvCxnSpPr>
+            <a:stCxn id="29" idx="2"/>
+            <a:endCxn id="51" idx="0"/>
+          </p:cNvCxnSpPr>
+          <p:nvPr/>
+        </p:nvCxnSpPr>
+        <p:spPr>
+          <a:xfrm rot="10800000" flipV="1">
+            <a:off x="5817519" y="881228"/>
+            <a:ext cx="198486" cy="3336684"/>
+          </a:xfrm>
+          <a:prstGeom prst="bentConnector3">
+            <a:avLst>
+              <a:gd name="adj1" fmla="val 348173"/>
+            </a:avLst>
+          </a:prstGeom>
+          <a:ln w="25400">
+            <a:tailEnd type="triangle"/>
+          </a:ln>
+        </p:spPr>
+        <p:style>
+          <a:lnRef idx="1">
+            <a:schemeClr val="accent1"/>
+          </a:lnRef>
+          <a:fillRef idx="0">
+            <a:schemeClr val="accent1"/>
+          </a:fillRef>
+          <a:effectRef idx="0">
+            <a:schemeClr val="accent1"/>
+          </a:effectRef>
+          <a:fontRef idx="minor">
+            <a:schemeClr val="tx1"/>
+          </a:fontRef>
+        </p:style>
+      </p:cxnSp>
+      <p:pic>
+        <p:nvPicPr>
+          <p:cNvPr id="13" name="Picture 12"/>
+          <p:cNvPicPr>
+            <a:picLocks noChangeAspect="1"/>
+          </p:cNvPicPr>
+          <p:nvPr/>
+        </p:nvPicPr>
+        <p:blipFill>
+          <a:blip r:embed="rId5">
+            <a:extLst>
+              <a:ext uri="{28A0092B-C50C-407E-A947-70E740481C1C}">
+                <a14:useLocalDpi xmlns:a14="http://schemas.microsoft.com/office/drawing/2010/main" val="0"/>
+              </a:ext>
+            </a:extLst>
+          </a:blip>
+          <a:stretch>
+            <a:fillRect/>
+          </a:stretch>
+        </p:blipFill>
+        <p:spPr>
+          <a:xfrm>
+            <a:off x="1882205" y="107262"/>
+            <a:ext cx="2643674" cy="1982756"/>
+          </a:xfrm>
+          <a:prstGeom prst="rect">
+            <a:avLst/>
+          </a:prstGeom>
+        </p:spPr>
+      </p:pic>
+      <p:cxnSp>
+        <p:nvCxnSpPr>
+          <p:cNvPr id="74" name="Straight Arrow Connector 73"/>
+          <p:cNvCxnSpPr>
+            <a:stCxn id="29" idx="6"/>
+            <a:endCxn id="34" idx="1"/>
+          </p:cNvCxnSpPr>
+          <p:nvPr/>
+        </p:nvCxnSpPr>
+        <p:spPr>
+          <a:xfrm flipV="1">
+            <a:off x="6818149" y="878362"/>
+            <a:ext cx="1080991" cy="2866"/>
+          </a:xfrm>
+          <a:prstGeom prst="straightConnector1">
+            <a:avLst/>
+          </a:prstGeom>
+          <a:ln w="25400">
+            <a:solidFill>
+              <a:schemeClr val="accent1"/>
+            </a:solidFill>
+            <a:tailEnd type="triangle"/>
+          </a:ln>
+        </p:spPr>
+        <p:style>
+          <a:lnRef idx="2">
+            <a:schemeClr val="accent6"/>
+          </a:lnRef>
+          <a:fillRef idx="1">
+            <a:schemeClr val="lt1"/>
+          </a:fillRef>
+          <a:effectRef idx="0">
+            <a:schemeClr val="accent6"/>
+          </a:effectRef>
+          <a:fontRef idx="minor">
+            <a:schemeClr val="dk1"/>
+          </a:fontRef>
+        </p:style>
+      </p:cxnSp>
+    </p:spTree>
+    <p:extLst>
+      <p:ext uri="{BB962C8B-B14F-4D97-AF65-F5344CB8AC3E}">
+        <p14:creationId xmlns:p14="http://schemas.microsoft.com/office/powerpoint/2010/main" val="1899333803"/>
       </p:ext>
     </p:extLst>
   </p:cSld>
